--- a/Submission2/Slide.pptx
+++ b/Submission2/Slide.pptx
@@ -41,29 +41,28 @@
     <p:sldId id="285" r:id="rId37"/>
     <p:sldId id="286" r:id="rId38"/>
     <p:sldId id="287" r:id="rId39"/>
-    <p:sldId id="288" r:id="rId40"/>
   </p:sldIdLst>
   <p:sldSz cy="5143500" cx="9144000"/>
   <p:notesSz cx="6858000" cy="9144000"/>
   <p:embeddedFontLst>
     <p:embeddedFont>
       <p:font typeface="Roboto Slab"/>
-      <p:regular r:id="rId41"/>
-      <p:bold r:id="rId42"/>
+      <p:regular r:id="rId40"/>
+      <p:bold r:id="rId41"/>
     </p:embeddedFont>
     <p:embeddedFont>
       <p:font typeface="Roboto"/>
-      <p:regular r:id="rId43"/>
-      <p:bold r:id="rId44"/>
-      <p:italic r:id="rId45"/>
-      <p:boldItalic r:id="rId46"/>
+      <p:regular r:id="rId42"/>
+      <p:bold r:id="rId43"/>
+      <p:italic r:id="rId44"/>
+      <p:boldItalic r:id="rId45"/>
     </p:embeddedFont>
     <p:embeddedFont>
       <p:font typeface="Lato"/>
-      <p:regular r:id="rId47"/>
-      <p:bold r:id="rId48"/>
-      <p:italic r:id="rId49"/>
-      <p:boldItalic r:id="rId50"/>
+      <p:regular r:id="rId46"/>
+      <p:bold r:id="rId47"/>
+      <p:italic r:id="rId48"/>
+      <p:boldItalic r:id="rId49"/>
     </p:embeddedFont>
   </p:embeddedFontLst>
   <p:defaultTextStyle>
@@ -2073,7 +2072,7 @@
       </p:grpSpPr>
       <p:sp>
         <p:nvSpPr>
-          <p:cNvPr id="234" name="Google Shape;234;g115d0bd58a4_0_707:notes"/>
+          <p:cNvPr id="234" name="Google Shape;234;g115d0bd58a4_0_711:notes"/>
           <p:cNvSpPr/>
           <p:nvPr>
             <p:ph idx="2" type="sldImg"/>
@@ -2108,7 +2107,7 @@
       </p:sp>
       <p:sp>
         <p:nvSpPr>
-          <p:cNvPr id="235" name="Google Shape;235;g115d0bd58a4_0_707:notes"/>
+          <p:cNvPr id="235" name="Google Shape;235;g115d0bd58a4_0_711:notes"/>
           <p:cNvSpPr txBox="1"/>
           <p:nvPr>
             <p:ph idx="1" type="body"/>
@@ -2158,7 +2157,7 @@
   <p:cSld>
     <p:spTree>
       <p:nvGrpSpPr>
-        <p:cNvPr id="238" name="Shape 238"/>
+        <p:cNvPr id="239" name="Shape 239"/>
         <p:cNvGrpSpPr/>
         <p:nvPr/>
       </p:nvGrpSpPr>
@@ -2172,7 +2171,7 @@
       </p:grpSpPr>
       <p:sp>
         <p:nvSpPr>
-          <p:cNvPr id="239" name="Google Shape;239;g115d0bd58a4_0_711:notes"/>
+          <p:cNvPr id="240" name="Google Shape;240;g115d0bd58a4_0_716:notes"/>
           <p:cNvSpPr/>
           <p:nvPr>
             <p:ph idx="2" type="sldImg"/>
@@ -2207,7 +2206,7 @@
       </p:sp>
       <p:sp>
         <p:nvSpPr>
-          <p:cNvPr id="240" name="Google Shape;240;g115d0bd58a4_0_711:notes"/>
+          <p:cNvPr id="241" name="Google Shape;241;g115d0bd58a4_0_716:notes"/>
           <p:cNvSpPr txBox="1"/>
           <p:nvPr>
             <p:ph idx="1" type="body"/>
@@ -2257,7 +2256,7 @@
   <p:cSld>
     <p:spTree>
       <p:nvGrpSpPr>
-        <p:cNvPr id="244" name="Shape 244"/>
+        <p:cNvPr id="245" name="Shape 245"/>
         <p:cNvGrpSpPr/>
         <p:nvPr/>
       </p:nvGrpSpPr>
@@ -2271,7 +2270,7 @@
       </p:grpSpPr>
       <p:sp>
         <p:nvSpPr>
-          <p:cNvPr id="245" name="Google Shape;245;g115d0bd58a4_0_716:notes"/>
+          <p:cNvPr id="246" name="Google Shape;246;g115d0bd58a4_0_721:notes"/>
           <p:cNvSpPr/>
           <p:nvPr>
             <p:ph idx="2" type="sldImg"/>
@@ -2306,7 +2305,7 @@
       </p:sp>
       <p:sp>
         <p:nvSpPr>
-          <p:cNvPr id="246" name="Google Shape;246;g115d0bd58a4_0_716:notes"/>
+          <p:cNvPr id="247" name="Google Shape;247;g115d0bd58a4_0_721:notes"/>
           <p:cNvSpPr txBox="1"/>
           <p:nvPr>
             <p:ph idx="1" type="body"/>
@@ -2356,7 +2355,7 @@
   <p:cSld>
     <p:spTree>
       <p:nvGrpSpPr>
-        <p:cNvPr id="250" name="Shape 250"/>
+        <p:cNvPr id="251" name="Shape 251"/>
         <p:cNvGrpSpPr/>
         <p:nvPr/>
       </p:nvGrpSpPr>
@@ -2370,7 +2369,7 @@
       </p:grpSpPr>
       <p:sp>
         <p:nvSpPr>
-          <p:cNvPr id="251" name="Google Shape;251;g115d0bd58a4_0_721:notes"/>
+          <p:cNvPr id="252" name="Google Shape;252;g115d0bd58a4_0_401:notes"/>
           <p:cNvSpPr/>
           <p:nvPr>
             <p:ph idx="2" type="sldImg"/>
@@ -2405,7 +2404,7 @@
       </p:sp>
       <p:sp>
         <p:nvSpPr>
-          <p:cNvPr id="252" name="Google Shape;252;g115d0bd58a4_0_721:notes"/>
+          <p:cNvPr id="253" name="Google Shape;253;g115d0bd58a4_0_401:notes"/>
           <p:cNvSpPr txBox="1"/>
           <p:nvPr>
             <p:ph idx="1" type="body"/>
@@ -2455,7 +2454,7 @@
   <p:cSld>
     <p:spTree>
       <p:nvGrpSpPr>
-        <p:cNvPr id="256" name="Shape 256"/>
+        <p:cNvPr id="257" name="Shape 257"/>
         <p:cNvGrpSpPr/>
         <p:nvPr/>
       </p:nvGrpSpPr>
@@ -2469,7 +2468,7 @@
       </p:grpSpPr>
       <p:sp>
         <p:nvSpPr>
-          <p:cNvPr id="257" name="Google Shape;257;g115d0bd58a4_0_401:notes"/>
+          <p:cNvPr id="258" name="Google Shape;258;g115d0bd58a4_0_406:notes"/>
           <p:cNvSpPr/>
           <p:nvPr>
             <p:ph idx="2" type="sldImg"/>
@@ -2504,7 +2503,7 @@
       </p:sp>
       <p:sp>
         <p:nvSpPr>
-          <p:cNvPr id="258" name="Google Shape;258;g115d0bd58a4_0_401:notes"/>
+          <p:cNvPr id="259" name="Google Shape;259;g115d0bd58a4_0_406:notes"/>
           <p:cNvSpPr txBox="1"/>
           <p:nvPr>
             <p:ph idx="1" type="body"/>
@@ -2554,7 +2553,7 @@
   <p:cSld>
     <p:spTree>
       <p:nvGrpSpPr>
-        <p:cNvPr id="262" name="Shape 262"/>
+        <p:cNvPr id="263" name="Shape 263"/>
         <p:cNvGrpSpPr/>
         <p:nvPr/>
       </p:nvGrpSpPr>
@@ -2568,7 +2567,7 @@
       </p:grpSpPr>
       <p:sp>
         <p:nvSpPr>
-          <p:cNvPr id="263" name="Google Shape;263;g115d0bd58a4_0_406:notes"/>
+          <p:cNvPr id="264" name="Google Shape;264;g115d0bd58a4_0_411:notes"/>
           <p:cNvSpPr/>
           <p:nvPr>
             <p:ph idx="2" type="sldImg"/>
@@ -2603,7 +2602,7 @@
       </p:sp>
       <p:sp>
         <p:nvSpPr>
-          <p:cNvPr id="264" name="Google Shape;264;g115d0bd58a4_0_406:notes"/>
+          <p:cNvPr id="265" name="Google Shape;265;g115d0bd58a4_0_411:notes"/>
           <p:cNvSpPr txBox="1"/>
           <p:nvPr>
             <p:ph idx="1" type="body"/>
@@ -2653,7 +2652,7 @@
   <p:cSld>
     <p:spTree>
       <p:nvGrpSpPr>
-        <p:cNvPr id="268" name="Shape 268"/>
+        <p:cNvPr id="270" name="Shape 270"/>
         <p:cNvGrpSpPr/>
         <p:nvPr/>
       </p:nvGrpSpPr>
@@ -2667,7 +2666,7 @@
       </p:grpSpPr>
       <p:sp>
         <p:nvSpPr>
-          <p:cNvPr id="269" name="Google Shape;269;g115d0bd58a4_0_411:notes"/>
+          <p:cNvPr id="271" name="Google Shape;271;g115d0bd58a4_0_418:notes"/>
           <p:cNvSpPr/>
           <p:nvPr>
             <p:ph idx="2" type="sldImg"/>
@@ -2702,7 +2701,7 @@
       </p:sp>
       <p:sp>
         <p:nvSpPr>
-          <p:cNvPr id="270" name="Google Shape;270;g115d0bd58a4_0_411:notes"/>
+          <p:cNvPr id="272" name="Google Shape;272;g115d0bd58a4_0_418:notes"/>
           <p:cNvSpPr txBox="1"/>
           <p:nvPr>
             <p:ph idx="1" type="body"/>
@@ -2752,7 +2751,7 @@
   <p:cSld>
     <p:spTree>
       <p:nvGrpSpPr>
-        <p:cNvPr id="275" name="Shape 275"/>
+        <p:cNvPr id="276" name="Shape 276"/>
         <p:cNvGrpSpPr/>
         <p:nvPr/>
       </p:nvGrpSpPr>
@@ -2766,7 +2765,7 @@
       </p:grpSpPr>
       <p:sp>
         <p:nvSpPr>
-          <p:cNvPr id="276" name="Google Shape;276;g115d0bd58a4_0_418:notes"/>
+          <p:cNvPr id="277" name="Google Shape;277;g115d0bd58a4_0_423:notes"/>
           <p:cNvSpPr/>
           <p:nvPr>
             <p:ph idx="2" type="sldImg"/>
@@ -2801,7 +2800,7 @@
       </p:sp>
       <p:sp>
         <p:nvSpPr>
-          <p:cNvPr id="277" name="Google Shape;277;g115d0bd58a4_0_418:notes"/>
+          <p:cNvPr id="278" name="Google Shape;278;g115d0bd58a4_0_423:notes"/>
           <p:cNvSpPr txBox="1"/>
           <p:nvPr>
             <p:ph idx="1" type="body"/>
@@ -2851,7 +2850,7 @@
   <p:cSld>
     <p:spTree>
       <p:nvGrpSpPr>
-        <p:cNvPr id="281" name="Shape 281"/>
+        <p:cNvPr id="283" name="Shape 283"/>
         <p:cNvGrpSpPr/>
         <p:nvPr/>
       </p:nvGrpSpPr>
@@ -2865,7 +2864,7 @@
       </p:grpSpPr>
       <p:sp>
         <p:nvSpPr>
-          <p:cNvPr id="282" name="Google Shape;282;g115d0bd58a4_0_423:notes"/>
+          <p:cNvPr id="284" name="Google Shape;284;g115d0bd58a4_0_555:notes"/>
           <p:cNvSpPr/>
           <p:nvPr>
             <p:ph idx="2" type="sldImg"/>
@@ -2900,7 +2899,7 @@
       </p:sp>
       <p:sp>
         <p:nvSpPr>
-          <p:cNvPr id="283" name="Google Shape;283;g115d0bd58a4_0_423:notes"/>
+          <p:cNvPr id="285" name="Google Shape;285;g115d0bd58a4_0_555:notes"/>
           <p:cNvSpPr txBox="1"/>
           <p:nvPr>
             <p:ph idx="1" type="body"/>
@@ -2950,7 +2949,7 @@
   <p:cSld>
     <p:spTree>
       <p:nvGrpSpPr>
-        <p:cNvPr id="288" name="Shape 288"/>
+        <p:cNvPr id="289" name="Shape 289"/>
         <p:cNvGrpSpPr/>
         <p:nvPr/>
       </p:nvGrpSpPr>
@@ -2964,7 +2963,7 @@
       </p:grpSpPr>
       <p:sp>
         <p:nvSpPr>
-          <p:cNvPr id="289" name="Google Shape;289;g115d0bd58a4_0_555:notes"/>
+          <p:cNvPr id="290" name="Google Shape;290;g115d0bd58a4_0_560:notes"/>
           <p:cNvSpPr/>
           <p:nvPr>
             <p:ph idx="2" type="sldImg"/>
@@ -2999,7 +2998,7 @@
       </p:sp>
       <p:sp>
         <p:nvSpPr>
-          <p:cNvPr id="290" name="Google Shape;290;g115d0bd58a4_0_555:notes"/>
+          <p:cNvPr id="291" name="Google Shape;291;g115d0bd58a4_0_560:notes"/>
           <p:cNvSpPr txBox="1"/>
           <p:nvPr>
             <p:ph idx="1" type="body"/>
@@ -3166,7 +3165,7 @@
   <p:cSld>
     <p:spTree>
       <p:nvGrpSpPr>
-        <p:cNvPr id="294" name="Shape 294"/>
+        <p:cNvPr id="295" name="Shape 295"/>
         <p:cNvGrpSpPr/>
         <p:nvPr/>
       </p:nvGrpSpPr>
@@ -3180,7 +3179,7 @@
       </p:grpSpPr>
       <p:sp>
         <p:nvSpPr>
-          <p:cNvPr id="295" name="Google Shape;295;g115d0bd58a4_0_560:notes"/>
+          <p:cNvPr id="296" name="Google Shape;296;g115d0bd58a4_0_565:notes"/>
           <p:cNvSpPr/>
           <p:nvPr>
             <p:ph idx="2" type="sldImg"/>
@@ -3215,7 +3214,7 @@
       </p:sp>
       <p:sp>
         <p:nvSpPr>
-          <p:cNvPr id="296" name="Google Shape;296;g115d0bd58a4_0_560:notes"/>
+          <p:cNvPr id="297" name="Google Shape;297;g115d0bd58a4_0_565:notes"/>
           <p:cNvSpPr txBox="1"/>
           <p:nvPr>
             <p:ph idx="1" type="body"/>
@@ -3265,7 +3264,7 @@
   <p:cSld>
     <p:spTree>
       <p:nvGrpSpPr>
-        <p:cNvPr id="300" name="Shape 300"/>
+        <p:cNvPr id="302" name="Shape 302"/>
         <p:cNvGrpSpPr/>
         <p:nvPr/>
       </p:nvGrpSpPr>
@@ -3279,7 +3278,7 @@
       </p:grpSpPr>
       <p:sp>
         <p:nvSpPr>
-          <p:cNvPr id="301" name="Google Shape;301;g115d0bd58a4_0_565:notes"/>
+          <p:cNvPr id="303" name="Google Shape;303;g115d0bd58a4_0_571:notes"/>
           <p:cNvSpPr/>
           <p:nvPr>
             <p:ph idx="2" type="sldImg"/>
@@ -3314,7 +3313,7 @@
       </p:sp>
       <p:sp>
         <p:nvSpPr>
-          <p:cNvPr id="302" name="Google Shape;302;g115d0bd58a4_0_565:notes"/>
+          <p:cNvPr id="304" name="Google Shape;304;g115d0bd58a4_0_571:notes"/>
           <p:cNvSpPr txBox="1"/>
           <p:nvPr>
             <p:ph idx="1" type="body"/>
@@ -3364,7 +3363,7 @@
   <p:cSld>
     <p:spTree>
       <p:nvGrpSpPr>
-        <p:cNvPr id="307" name="Shape 307"/>
+        <p:cNvPr id="308" name="Shape 308"/>
         <p:cNvGrpSpPr/>
         <p:nvPr/>
       </p:nvGrpSpPr>
@@ -3378,7 +3377,7 @@
       </p:grpSpPr>
       <p:sp>
         <p:nvSpPr>
-          <p:cNvPr id="308" name="Google Shape;308;g115d0bd58a4_0_571:notes"/>
+          <p:cNvPr id="309" name="Google Shape;309;g115d0bd58a4_0_576:notes"/>
           <p:cNvSpPr/>
           <p:nvPr>
             <p:ph idx="2" type="sldImg"/>
@@ -3413,106 +3412,7 @@
       </p:sp>
       <p:sp>
         <p:nvSpPr>
-          <p:cNvPr id="309" name="Google Shape;309;g115d0bd58a4_0_571:notes"/>
-          <p:cNvSpPr txBox="1"/>
-          <p:nvPr>
-            <p:ph idx="1" type="body"/>
-          </p:nvPr>
-        </p:nvSpPr>
-        <p:spPr>
-          <a:xfrm>
-            <a:off x="685800" y="4343400"/>
-            <a:ext cx="5486400" cy="4114800"/>
-          </a:xfrm>
-          <a:prstGeom prst="rect">
-            <a:avLst/>
-          </a:prstGeom>
-        </p:spPr>
-        <p:txBody>
-          <a:bodyPr anchorCtr="0" anchor="t" bIns="91425" lIns="91425" spcFirstLastPara="1" rIns="91425" wrap="square" tIns="91425">
-            <a:noAutofit/>
-          </a:bodyPr>
-          <a:lstStyle/>
-          <a:p>
-            <a:pPr indent="0" lvl="0" marL="0" rtl="0" algn="l">
-              <a:spcBef>
-                <a:spcPts val="0"/>
-              </a:spcBef>
-              <a:spcAft>
-                <a:spcPts val="0"/>
-              </a:spcAft>
-              <a:buNone/>
-            </a:pPr>
-            <a:r>
-              <a:t/>
-            </a:r>
-            <a:endParaRPr/>
-          </a:p>
-        </p:txBody>
-      </p:sp>
-    </p:spTree>
-  </p:cSld>
-  <p:clrMapOvr>
-    <a:masterClrMapping/>
-  </p:clrMapOvr>
-</p:notes>
-</file>
-
-<file path=ppt/notesSlides/notesSlide33.xml><?xml version="1.0" encoding="utf-8"?>
-<p:notes xmlns:a="http://schemas.openxmlformats.org/drawingml/2006/main" xmlns:r="http://schemas.openxmlformats.org/officeDocument/2006/relationships" xmlns:mc="http://schemas.openxmlformats.org/markup-compatibility/2006" xmlns:mv="urn:schemas-microsoft-com:mac:vml" xmlns:p="http://schemas.openxmlformats.org/presentationml/2006/main" xmlns:c="http://schemas.openxmlformats.org/drawingml/2006/chart" xmlns:dgm="http://schemas.openxmlformats.org/drawingml/2006/diagram" xmlns:o="urn:schemas-microsoft-com:office:office" xmlns:v="urn:schemas-microsoft-com:vml" xmlns:pvml="urn:schemas-microsoft-com:office:powerpoint" xmlns:com="http://schemas.openxmlformats.org/drawingml/2006/compatibility" xmlns:p14="http://schemas.microsoft.com/office/powerpoint/2010/main" xmlns:p15="http://schemas.microsoft.com/office/powerpoint/2012/main" xmlns:ahyp="http://schemas.microsoft.com/office/drawing/2018/hyperlinkcolor" showMasterPhAnim="0" showMasterSp="0">
-  <p:cSld>
-    <p:spTree>
-      <p:nvGrpSpPr>
-        <p:cNvPr id="313" name="Shape 313"/>
-        <p:cNvGrpSpPr/>
-        <p:nvPr/>
-      </p:nvGrpSpPr>
-      <p:grpSpPr>
-        <a:xfrm>
-          <a:off x="0" y="0"/>
-          <a:ext cx="0" cy="0"/>
-          <a:chOff x="0" y="0"/>
-          <a:chExt cx="0" cy="0"/>
-        </a:xfrm>
-      </p:grpSpPr>
-      <p:sp>
-        <p:nvSpPr>
-          <p:cNvPr id="314" name="Google Shape;314;g115d0bd58a4_0_576:notes"/>
-          <p:cNvSpPr/>
-          <p:nvPr>
-            <p:ph idx="2" type="sldImg"/>
-          </p:nvPr>
-        </p:nvSpPr>
-        <p:spPr>
-          <a:xfrm>
-            <a:off x="381300" y="685800"/>
-            <a:ext cx="6096000" cy="3429000"/>
-          </a:xfrm>
-          <a:custGeom>
-            <a:rect b="b" l="l" r="r" t="t"/>
-            <a:pathLst>
-              <a:path extrusionOk="0" h="120000" w="120000">
-                <a:moveTo>
-                  <a:pt x="0" y="0"/>
-                </a:moveTo>
-                <a:lnTo>
-                  <a:pt x="120000" y="0"/>
-                </a:lnTo>
-                <a:lnTo>
-                  <a:pt x="120000" y="120000"/>
-                </a:lnTo>
-                <a:lnTo>
-                  <a:pt x="0" y="120000"/>
-                </a:lnTo>
-                <a:close/>
-              </a:path>
-            </a:pathLst>
-          </a:custGeom>
-        </p:spPr>
-      </p:sp>
-      <p:sp>
-        <p:nvSpPr>
-          <p:cNvPr id="315" name="Google Shape;315;g115d0bd58a4_0_576:notes"/>
+          <p:cNvPr id="310" name="Google Shape;310;g115d0bd58a4_0_576:notes"/>
           <p:cNvSpPr txBox="1"/>
           <p:nvPr>
             <p:ph idx="1" type="body"/>
@@ -17700,7 +17600,7 @@
         </p:nvSpPr>
         <p:spPr>
           <a:xfrm>
-            <a:off x="2812800" y="1459400"/>
+            <a:off x="2812800" y="1583975"/>
             <a:ext cx="3518400" cy="680400"/>
           </a:xfrm>
           <a:prstGeom prst="rect">
@@ -18065,7 +17965,7 @@
         </p:nvSpPr>
         <p:spPr>
           <a:xfrm>
-            <a:off x="5119825" y="2308925"/>
+            <a:off x="5119825" y="2301150"/>
             <a:ext cx="2868600" cy="1949100"/>
           </a:xfrm>
           <a:prstGeom prst="rect">
@@ -19024,7 +18924,7 @@
             <a:tbl>
               <a:tblPr>
                 <a:noFill/>
-                <a:tableStyleId>{93179580-933D-4783-B941-4F104D67E293}</a:tableStyleId>
+                <a:tableStyleId>{3D4D40B7-CDAC-40C7-BE51-8DBFC89EE635}</a:tableStyleId>
               </a:tblPr>
               <a:tblGrid>
                 <a:gridCol w="2041825"/>
@@ -20391,7 +20291,7 @@
             </a:pPr>
             <a:r>
               <a:rPr lang="en"/>
-              <a:t>For computation efficiency, we choose a multiple layer perception on top of XLM instead of conditional random field layer</a:t>
+              <a:t>For computation efficiency, they choose a multiple layer perception on top of XLM instead of conditional random field layer</a:t>
             </a:r>
             <a:endParaRPr/>
           </a:p>
@@ -21098,7 +20998,11 @@
             </a:pPr>
             <a:r>
               <a:rPr lang="en" sz="3600"/>
-              <a:t>Semi-Supervised Clustering Stage</a:t>
+              <a:t>Semi-Supervised G</a:t>
+            </a:r>
+            <a:r>
+              <a:rPr lang="en" sz="3600"/>
+              <a:t>raph-based Approach</a:t>
             </a:r>
             <a:endParaRPr sz="3600"/>
           </a:p>
@@ -21296,14 +21200,37 @@
             </a:pPr>
             <a:r>
               <a:rPr lang="en"/>
-              <a:t>Open World Extraction model</a:t>
+              <a:t>Label</a:t>
+            </a:r>
+            <a:r>
+              <a:rPr lang="en"/>
+              <a:t> input text and their </a:t>
+            </a:r>
+            <a:r>
+              <a:rPr lang="en"/>
+              <a:t>respective wikipedia entities</a:t>
+            </a:r>
+            <a:endParaRPr/>
+          </a:p>
+          <a:p>
+            <a:pPr indent="0" lvl="0" marL="914400" rtl="0" algn="l">
+              <a:spcBef>
+                <a:spcPts val="1200"/>
+              </a:spcBef>
+              <a:spcAft>
+                <a:spcPts val="0"/>
+              </a:spcAft>
+              <a:buNone/>
+            </a:pPr>
+            <a:r>
+              <a:t/>
             </a:r>
             <a:endParaRPr/>
           </a:p>
           <a:p>
             <a:pPr indent="-342900" lvl="0" marL="457200" rtl="0" algn="l">
               <a:spcBef>
-                <a:spcPts val="0"/>
+                <a:spcPts val="1200"/>
               </a:spcBef>
               <a:spcAft>
                 <a:spcPts val="0"/>
@@ -21313,14 +21240,29 @@
             </a:pPr>
             <a:r>
               <a:rPr lang="en"/>
-              <a:t>Open world link prediction model</a:t>
+              <a:t>Raters chose from given list of possible mentions</a:t>
+            </a:r>
+            <a:endParaRPr/>
+          </a:p>
+          <a:p>
+            <a:pPr indent="0" lvl="0" marL="914400" rtl="0" algn="l">
+              <a:spcBef>
+                <a:spcPts val="1200"/>
+              </a:spcBef>
+              <a:spcAft>
+                <a:spcPts val="0"/>
+              </a:spcAft>
+              <a:buNone/>
+            </a:pPr>
+            <a:r>
+              <a:t/>
             </a:r>
             <a:endParaRPr/>
           </a:p>
           <a:p>
             <a:pPr indent="-342900" lvl="0" marL="457200" rtl="0" algn="l">
               <a:spcBef>
-                <a:spcPts val="0"/>
+                <a:spcPts val="1200"/>
               </a:spcBef>
               <a:spcAft>
                 <a:spcPts val="0"/>
@@ -21330,7 +21272,15 @@
             </a:pPr>
             <a:r>
               <a:rPr lang="en"/>
-              <a:t>Closed World linking model</a:t>
+              <a:t>80% </a:t>
+            </a:r>
+            <a:r>
+              <a:rPr lang="en"/>
+              <a:t>Accuracy</a:t>
+            </a:r>
+            <a:r>
+              <a:rPr lang="en"/>
+              <a:t> of labeling correctly</a:t>
             </a:r>
             <a:endParaRPr/>
           </a:p>
@@ -21619,62 +21569,9 @@
           <a:chExt cx="0" cy="0"/>
         </a:xfrm>
       </p:grpSpPr>
-      <p:pic>
-        <p:nvPicPr>
-          <p:cNvPr id="237" name="Google Shape;237;p44"/>
-          <p:cNvPicPr preferRelativeResize="0"/>
-          <p:nvPr/>
-        </p:nvPicPr>
-        <p:blipFill>
-          <a:blip r:embed="rId3">
-            <a:alphaModFix/>
-          </a:blip>
-          <a:stretch>
-            <a:fillRect/>
-          </a:stretch>
-        </p:blipFill>
-        <p:spPr>
-          <a:xfrm>
-            <a:off x="152400" y="1389075"/>
-            <a:ext cx="8839201" cy="2365348"/>
-          </a:xfrm>
-          <a:prstGeom prst="rect">
-            <a:avLst/>
-          </a:prstGeom>
-          <a:noFill/>
-          <a:ln>
-            <a:noFill/>
-          </a:ln>
-        </p:spPr>
-      </p:pic>
-    </p:spTree>
-  </p:cSld>
-  <p:clrMapOvr>
-    <a:masterClrMapping/>
-  </p:clrMapOvr>
-</p:sld>
-</file>
-
-<file path=ppt/slides/slide21.xml><?xml version="1.0" encoding="utf-8"?>
-<p:sld xmlns:a="http://schemas.openxmlformats.org/drawingml/2006/main" xmlns:r="http://schemas.openxmlformats.org/officeDocument/2006/relationships" xmlns:mc="http://schemas.openxmlformats.org/markup-compatibility/2006" xmlns:mv="urn:schemas-microsoft-com:mac:vml" xmlns:p="http://schemas.openxmlformats.org/presentationml/2006/main" xmlns:c="http://schemas.openxmlformats.org/drawingml/2006/chart" xmlns:dgm="http://schemas.openxmlformats.org/drawingml/2006/diagram" xmlns:o="urn:schemas-microsoft-com:office:office" xmlns:v="urn:schemas-microsoft-com:vml" xmlns:pvml="urn:schemas-microsoft-com:office:powerpoint" xmlns:com="http://schemas.openxmlformats.org/drawingml/2006/compatibility" xmlns:p14="http://schemas.microsoft.com/office/powerpoint/2010/main" xmlns:p15="http://schemas.microsoft.com/office/powerpoint/2012/main" xmlns:ahyp="http://schemas.microsoft.com/office/drawing/2018/hyperlinkcolor">
-  <p:cSld>
-    <p:spTree>
-      <p:nvGrpSpPr>
-        <p:cNvPr id="241" name="Shape 241"/>
-        <p:cNvGrpSpPr/>
-        <p:nvPr/>
-      </p:nvGrpSpPr>
-      <p:grpSpPr>
-        <a:xfrm>
-          <a:off x="0" y="0"/>
-          <a:ext cx="0" cy="0"/>
-          <a:chOff x="0" y="0"/>
-          <a:chExt cx="0" cy="0"/>
-        </a:xfrm>
-      </p:grpSpPr>
       <p:sp>
         <p:nvSpPr>
-          <p:cNvPr id="242" name="Google Shape;242;p45"/>
+          <p:cNvPr id="237" name="Google Shape;237;p44"/>
           <p:cNvSpPr txBox="1"/>
           <p:nvPr>
             <p:ph idx="2" type="body"/>
@@ -21822,7 +21719,7 @@
       </p:sp>
       <p:sp>
         <p:nvSpPr>
-          <p:cNvPr id="243" name="Google Shape;243;p45"/>
+          <p:cNvPr id="238" name="Google Shape;238;p44"/>
           <p:cNvSpPr txBox="1"/>
           <p:nvPr>
             <p:ph type="title"/>
@@ -21868,12 +21765,12 @@
 </p:sld>
 </file>
 
-<file path=ppt/slides/slide22.xml><?xml version="1.0" encoding="utf-8"?>
+<file path=ppt/slides/slide21.xml><?xml version="1.0" encoding="utf-8"?>
 <p:sld xmlns:a="http://schemas.openxmlformats.org/drawingml/2006/main" xmlns:r="http://schemas.openxmlformats.org/officeDocument/2006/relationships" xmlns:mc="http://schemas.openxmlformats.org/markup-compatibility/2006" xmlns:mv="urn:schemas-microsoft-com:mac:vml" xmlns:p="http://schemas.openxmlformats.org/presentationml/2006/main" xmlns:c="http://schemas.openxmlformats.org/drawingml/2006/chart" xmlns:dgm="http://schemas.openxmlformats.org/drawingml/2006/diagram" xmlns:o="urn:schemas-microsoft-com:office:office" xmlns:v="urn:schemas-microsoft-com:vml" xmlns:pvml="urn:schemas-microsoft-com:office:powerpoint" xmlns:com="http://schemas.openxmlformats.org/drawingml/2006/compatibility" xmlns:p14="http://schemas.microsoft.com/office/powerpoint/2010/main" xmlns:p15="http://schemas.microsoft.com/office/powerpoint/2012/main" xmlns:ahyp="http://schemas.microsoft.com/office/drawing/2018/hyperlinkcolor">
   <p:cSld>
     <p:spTree>
       <p:nvGrpSpPr>
-        <p:cNvPr id="247" name="Shape 247"/>
+        <p:cNvPr id="242" name="Shape 242"/>
         <p:cNvGrpSpPr/>
         <p:nvPr/>
       </p:nvGrpSpPr>
@@ -21887,7 +21784,7 @@
       </p:grpSpPr>
       <p:sp>
         <p:nvSpPr>
-          <p:cNvPr id="248" name="Google Shape;248;p46"/>
+          <p:cNvPr id="243" name="Google Shape;243;p45"/>
           <p:cNvSpPr txBox="1"/>
           <p:nvPr>
             <p:ph type="title"/>
@@ -21930,7 +21827,7 @@
       </p:sp>
       <p:sp>
         <p:nvSpPr>
-          <p:cNvPr id="249" name="Google Shape;249;p46"/>
+          <p:cNvPr id="244" name="Google Shape;244;p45"/>
           <p:cNvSpPr txBox="1"/>
           <p:nvPr>
             <p:ph idx="2" type="body"/>
@@ -21994,12 +21891,12 @@
 </p:sld>
 </file>
 
-<file path=ppt/slides/slide23.xml><?xml version="1.0" encoding="utf-8"?>
+<file path=ppt/slides/slide22.xml><?xml version="1.0" encoding="utf-8"?>
 <p:sld xmlns:a="http://schemas.openxmlformats.org/drawingml/2006/main" xmlns:r="http://schemas.openxmlformats.org/officeDocument/2006/relationships" xmlns:mc="http://schemas.openxmlformats.org/markup-compatibility/2006" xmlns:mv="urn:schemas-microsoft-com:mac:vml" xmlns:p="http://schemas.openxmlformats.org/presentationml/2006/main" xmlns:c="http://schemas.openxmlformats.org/drawingml/2006/chart" xmlns:dgm="http://schemas.openxmlformats.org/drawingml/2006/diagram" xmlns:o="urn:schemas-microsoft-com:office:office" xmlns:v="urn:schemas-microsoft-com:vml" xmlns:pvml="urn:schemas-microsoft-com:office:powerpoint" xmlns:com="http://schemas.openxmlformats.org/drawingml/2006/compatibility" xmlns:p14="http://schemas.microsoft.com/office/powerpoint/2010/main" xmlns:p15="http://schemas.microsoft.com/office/powerpoint/2012/main" xmlns:ahyp="http://schemas.microsoft.com/office/drawing/2018/hyperlinkcolor">
   <p:cSld>
     <p:spTree>
       <p:nvGrpSpPr>
-        <p:cNvPr id="253" name="Shape 253"/>
+        <p:cNvPr id="248" name="Shape 248"/>
         <p:cNvGrpSpPr/>
         <p:nvPr/>
       </p:nvGrpSpPr>
@@ -22013,7 +21910,7 @@
       </p:grpSpPr>
       <p:sp>
         <p:nvSpPr>
-          <p:cNvPr id="254" name="Google Shape;254;p47"/>
+          <p:cNvPr id="249" name="Google Shape;249;p46"/>
           <p:cNvSpPr txBox="1"/>
           <p:nvPr>
             <p:ph type="title"/>
@@ -22056,7 +21953,7 @@
       </p:sp>
       <p:sp>
         <p:nvSpPr>
-          <p:cNvPr id="255" name="Google Shape;255;p47"/>
+          <p:cNvPr id="250" name="Google Shape;250;p46"/>
           <p:cNvSpPr txBox="1"/>
           <p:nvPr>
             <p:ph idx="2" type="body"/>
@@ -22167,12 +22064,12 @@
 </p:sld>
 </file>
 
-<file path=ppt/slides/slide24.xml><?xml version="1.0" encoding="utf-8"?>
+<file path=ppt/slides/slide23.xml><?xml version="1.0" encoding="utf-8"?>
 <p:sld xmlns:a="http://schemas.openxmlformats.org/drawingml/2006/main" xmlns:r="http://schemas.openxmlformats.org/officeDocument/2006/relationships" xmlns:mc="http://schemas.openxmlformats.org/markup-compatibility/2006" xmlns:mv="urn:schemas-microsoft-com:mac:vml" xmlns:p="http://schemas.openxmlformats.org/presentationml/2006/main" xmlns:c="http://schemas.openxmlformats.org/drawingml/2006/chart" xmlns:dgm="http://schemas.openxmlformats.org/drawingml/2006/diagram" xmlns:o="urn:schemas-microsoft-com:office:office" xmlns:v="urn:schemas-microsoft-com:vml" xmlns:pvml="urn:schemas-microsoft-com:office:powerpoint" xmlns:com="http://schemas.openxmlformats.org/drawingml/2006/compatibility" xmlns:p14="http://schemas.microsoft.com/office/powerpoint/2010/main" xmlns:p15="http://schemas.microsoft.com/office/powerpoint/2012/main" xmlns:ahyp="http://schemas.microsoft.com/office/drawing/2018/hyperlinkcolor">
   <p:cSld>
     <p:spTree>
       <p:nvGrpSpPr>
-        <p:cNvPr id="259" name="Shape 259"/>
+        <p:cNvPr id="254" name="Shape 254"/>
         <p:cNvGrpSpPr/>
         <p:nvPr/>
       </p:nvGrpSpPr>
@@ -22186,7 +22083,7 @@
       </p:grpSpPr>
       <p:sp>
         <p:nvSpPr>
-          <p:cNvPr id="260" name="Google Shape;260;p48"/>
+          <p:cNvPr id="255" name="Google Shape;255;p47"/>
           <p:cNvSpPr txBox="1"/>
           <p:nvPr>
             <p:ph type="ctrTitle"/>
@@ -22226,7 +22123,7 @@
       </p:sp>
       <p:sp>
         <p:nvSpPr>
-          <p:cNvPr id="261" name="Google Shape;261;p48"/>
+          <p:cNvPr id="256" name="Google Shape;256;p47"/>
           <p:cNvSpPr txBox="1"/>
           <p:nvPr>
             <p:ph idx="1" type="subTitle"/>
@@ -22276,12 +22173,12 @@
 </p:sld>
 </file>
 
-<file path=ppt/slides/slide25.xml><?xml version="1.0" encoding="utf-8"?>
+<file path=ppt/slides/slide24.xml><?xml version="1.0" encoding="utf-8"?>
 <p:sld xmlns:a="http://schemas.openxmlformats.org/drawingml/2006/main" xmlns:r="http://schemas.openxmlformats.org/officeDocument/2006/relationships" xmlns:mc="http://schemas.openxmlformats.org/markup-compatibility/2006" xmlns:mv="urn:schemas-microsoft-com:mac:vml" xmlns:p="http://schemas.openxmlformats.org/presentationml/2006/main" xmlns:c="http://schemas.openxmlformats.org/drawingml/2006/chart" xmlns:dgm="http://schemas.openxmlformats.org/drawingml/2006/diagram" xmlns:o="urn:schemas-microsoft-com:office:office" xmlns:v="urn:schemas-microsoft-com:vml" xmlns:pvml="urn:schemas-microsoft-com:office:powerpoint" xmlns:com="http://schemas.openxmlformats.org/drawingml/2006/compatibility" xmlns:p14="http://schemas.microsoft.com/office/powerpoint/2010/main" xmlns:p15="http://schemas.microsoft.com/office/powerpoint/2012/main" xmlns:ahyp="http://schemas.microsoft.com/office/drawing/2018/hyperlinkcolor">
   <p:cSld>
     <p:spTree>
       <p:nvGrpSpPr>
-        <p:cNvPr id="265" name="Shape 265"/>
+        <p:cNvPr id="260" name="Shape 260"/>
         <p:cNvGrpSpPr/>
         <p:nvPr/>
       </p:nvGrpSpPr>
@@ -22295,7 +22192,7 @@
       </p:grpSpPr>
       <p:sp>
         <p:nvSpPr>
-          <p:cNvPr id="266" name="Google Shape;266;p49"/>
+          <p:cNvPr id="261" name="Google Shape;261;p48"/>
           <p:cNvSpPr txBox="1"/>
           <p:nvPr>
             <p:ph type="title"/>
@@ -22333,6 +22230,136 @@
           </a:p>
         </p:txBody>
       </p:sp>
+      <p:sp>
+        <p:nvSpPr>
+          <p:cNvPr id="262" name="Google Shape;262;p48"/>
+          <p:cNvSpPr txBox="1"/>
+          <p:nvPr>
+            <p:ph idx="1" type="body"/>
+          </p:nvPr>
+        </p:nvSpPr>
+        <p:spPr>
+          <a:xfrm>
+            <a:off x="387900" y="1489824"/>
+            <a:ext cx="8368200" cy="3078900"/>
+          </a:xfrm>
+          <a:prstGeom prst="rect">
+            <a:avLst/>
+          </a:prstGeom>
+        </p:spPr>
+        <p:txBody>
+          <a:bodyPr anchorCtr="0" anchor="t" bIns="91425" lIns="91425" spcFirstLastPara="1" rIns="91425" wrap="square" tIns="91425">
+            <a:noAutofit/>
+          </a:bodyPr>
+          <a:lstStyle/>
+          <a:p>
+            <a:pPr indent="-342900" lvl="0" marL="457200" rtl="0" algn="l">
+              <a:spcBef>
+                <a:spcPts val="0"/>
+              </a:spcBef>
+              <a:spcAft>
+                <a:spcPts val="0"/>
+              </a:spcAft>
+              <a:buSzPts val="1800"/>
+              <a:buChar char="●"/>
+            </a:pPr>
+            <a:r>
+              <a:rPr lang="en"/>
+              <a:t>Transformer based pretrained language model</a:t>
+            </a:r>
+            <a:endParaRPr/>
+          </a:p>
+          <a:p>
+            <a:pPr indent="-342900" lvl="0" marL="457200" rtl="0" algn="l">
+              <a:spcBef>
+                <a:spcPts val="0"/>
+              </a:spcBef>
+              <a:spcAft>
+                <a:spcPts val="0"/>
+              </a:spcAft>
+              <a:buSzPts val="1800"/>
+              <a:buChar char="●"/>
+            </a:pPr>
+            <a:r>
+              <a:rPr lang="en"/>
+              <a:t>Cross-lingual pretraining</a:t>
+            </a:r>
+            <a:endParaRPr/>
+          </a:p>
+          <a:p>
+            <a:pPr indent="-342900" lvl="0" marL="457200" rtl="0" algn="l">
+              <a:spcBef>
+                <a:spcPts val="0"/>
+              </a:spcBef>
+              <a:spcAft>
+                <a:spcPts val="0"/>
+              </a:spcAft>
+              <a:buSzPts val="1800"/>
+              <a:buChar char="●"/>
+            </a:pPr>
+            <a:r>
+              <a:rPr lang="en"/>
+              <a:t>XLM</a:t>
+            </a:r>
+            <a:endParaRPr/>
+          </a:p>
+          <a:p>
+            <a:pPr indent="0" lvl="0" marL="457200" rtl="0" algn="l">
+              <a:spcBef>
+                <a:spcPts val="0"/>
+              </a:spcBef>
+              <a:spcAft>
+                <a:spcPts val="0"/>
+              </a:spcAft>
+              <a:buNone/>
+            </a:pPr>
+            <a:r>
+              <a:t/>
+            </a:r>
+            <a:endParaRPr/>
+          </a:p>
+          <a:p>
+            <a:pPr indent="0" lvl="0" marL="0" rtl="0" algn="l">
+              <a:spcBef>
+                <a:spcPts val="0"/>
+              </a:spcBef>
+              <a:spcAft>
+                <a:spcPts val="0"/>
+              </a:spcAft>
+              <a:buNone/>
+            </a:pPr>
+            <a:r>
+              <a:t/>
+            </a:r>
+            <a:endParaRPr/>
+          </a:p>
+        </p:txBody>
+      </p:sp>
+    </p:spTree>
+  </p:cSld>
+  <p:clrMapOvr>
+    <a:masterClrMapping/>
+  </p:clrMapOvr>
+</p:sld>
+</file>
+
+<file path=ppt/slides/slide25.xml><?xml version="1.0" encoding="utf-8"?>
+<p:sld xmlns:a="http://schemas.openxmlformats.org/drawingml/2006/main" xmlns:r="http://schemas.openxmlformats.org/officeDocument/2006/relationships" xmlns:mc="http://schemas.openxmlformats.org/markup-compatibility/2006" xmlns:mv="urn:schemas-microsoft-com:mac:vml" xmlns:p="http://schemas.openxmlformats.org/presentationml/2006/main" xmlns:c="http://schemas.openxmlformats.org/drawingml/2006/chart" xmlns:dgm="http://schemas.openxmlformats.org/drawingml/2006/diagram" xmlns:o="urn:schemas-microsoft-com:office:office" xmlns:v="urn:schemas-microsoft-com:vml" xmlns:pvml="urn:schemas-microsoft-com:office:powerpoint" xmlns:com="http://schemas.openxmlformats.org/drawingml/2006/compatibility" xmlns:p14="http://schemas.microsoft.com/office/powerpoint/2010/main" xmlns:p15="http://schemas.microsoft.com/office/powerpoint/2012/main" xmlns:ahyp="http://schemas.microsoft.com/office/drawing/2018/hyperlinkcolor">
+  <p:cSld>
+    <p:spTree>
+      <p:nvGrpSpPr>
+        <p:cNvPr id="266" name="Shape 266"/>
+        <p:cNvGrpSpPr/>
+        <p:nvPr/>
+      </p:nvGrpSpPr>
+      <p:grpSpPr>
+        <a:xfrm>
+          <a:off x="0" y="0"/>
+          <a:ext cx="0" cy="0"/>
+          <a:chOff x="0" y="0"/>
+          <a:chExt cx="0" cy="0"/>
+        </a:xfrm>
+      </p:grpSpPr>
       <p:sp>
         <p:nvSpPr>
           <p:cNvPr id="267" name="Google Shape;267;p49"/>
@@ -22368,136 +22395,6 @@
             </a:pPr>
             <a:r>
               <a:rPr lang="en"/>
-              <a:t>Transformer based pretrained language model</a:t>
-            </a:r>
-            <a:endParaRPr/>
-          </a:p>
-          <a:p>
-            <a:pPr indent="-342900" lvl="0" marL="457200" rtl="0" algn="l">
-              <a:spcBef>
-                <a:spcPts val="0"/>
-              </a:spcBef>
-              <a:spcAft>
-                <a:spcPts val="0"/>
-              </a:spcAft>
-              <a:buSzPts val="1800"/>
-              <a:buChar char="●"/>
-            </a:pPr>
-            <a:r>
-              <a:rPr lang="en"/>
-              <a:t>Cross-lingual pretraining</a:t>
-            </a:r>
-            <a:endParaRPr/>
-          </a:p>
-          <a:p>
-            <a:pPr indent="-342900" lvl="0" marL="457200" rtl="0" algn="l">
-              <a:spcBef>
-                <a:spcPts val="0"/>
-              </a:spcBef>
-              <a:spcAft>
-                <a:spcPts val="0"/>
-              </a:spcAft>
-              <a:buSzPts val="1800"/>
-              <a:buChar char="●"/>
-            </a:pPr>
-            <a:r>
-              <a:rPr lang="en"/>
-              <a:t>XLM</a:t>
-            </a:r>
-            <a:endParaRPr/>
-          </a:p>
-          <a:p>
-            <a:pPr indent="0" lvl="0" marL="457200" rtl="0" algn="l">
-              <a:spcBef>
-                <a:spcPts val="0"/>
-              </a:spcBef>
-              <a:spcAft>
-                <a:spcPts val="0"/>
-              </a:spcAft>
-              <a:buNone/>
-            </a:pPr>
-            <a:r>
-              <a:t/>
-            </a:r>
-            <a:endParaRPr/>
-          </a:p>
-          <a:p>
-            <a:pPr indent="0" lvl="0" marL="0" rtl="0" algn="l">
-              <a:spcBef>
-                <a:spcPts val="0"/>
-              </a:spcBef>
-              <a:spcAft>
-                <a:spcPts val="0"/>
-              </a:spcAft>
-              <a:buNone/>
-            </a:pPr>
-            <a:r>
-              <a:t/>
-            </a:r>
-            <a:endParaRPr/>
-          </a:p>
-        </p:txBody>
-      </p:sp>
-    </p:spTree>
-  </p:cSld>
-  <p:clrMapOvr>
-    <a:masterClrMapping/>
-  </p:clrMapOvr>
-</p:sld>
-</file>
-
-<file path=ppt/slides/slide26.xml><?xml version="1.0" encoding="utf-8"?>
-<p:sld xmlns:a="http://schemas.openxmlformats.org/drawingml/2006/main" xmlns:r="http://schemas.openxmlformats.org/officeDocument/2006/relationships" xmlns:mc="http://schemas.openxmlformats.org/markup-compatibility/2006" xmlns:mv="urn:schemas-microsoft-com:mac:vml" xmlns:p="http://schemas.openxmlformats.org/presentationml/2006/main" xmlns:c="http://schemas.openxmlformats.org/drawingml/2006/chart" xmlns:dgm="http://schemas.openxmlformats.org/drawingml/2006/diagram" xmlns:o="urn:schemas-microsoft-com:office:office" xmlns:v="urn:schemas-microsoft-com:vml" xmlns:pvml="urn:schemas-microsoft-com:office:powerpoint" xmlns:com="http://schemas.openxmlformats.org/drawingml/2006/compatibility" xmlns:p14="http://schemas.microsoft.com/office/powerpoint/2010/main" xmlns:p15="http://schemas.microsoft.com/office/powerpoint/2012/main" xmlns:ahyp="http://schemas.microsoft.com/office/drawing/2018/hyperlinkcolor">
-  <p:cSld>
-    <p:spTree>
-      <p:nvGrpSpPr>
-        <p:cNvPr id="271" name="Shape 271"/>
-        <p:cNvGrpSpPr/>
-        <p:nvPr/>
-      </p:nvGrpSpPr>
-      <p:grpSpPr>
-        <a:xfrm>
-          <a:off x="0" y="0"/>
-          <a:ext cx="0" cy="0"/>
-          <a:chOff x="0" y="0"/>
-          <a:chExt cx="0" cy="0"/>
-        </a:xfrm>
-      </p:grpSpPr>
-      <p:sp>
-        <p:nvSpPr>
-          <p:cNvPr id="272" name="Google Shape;272;p50"/>
-          <p:cNvSpPr txBox="1"/>
-          <p:nvPr>
-            <p:ph idx="1" type="body"/>
-          </p:nvPr>
-        </p:nvSpPr>
-        <p:spPr>
-          <a:xfrm>
-            <a:off x="387900" y="1489824"/>
-            <a:ext cx="8368200" cy="3078900"/>
-          </a:xfrm>
-          <a:prstGeom prst="rect">
-            <a:avLst/>
-          </a:prstGeom>
-        </p:spPr>
-        <p:txBody>
-          <a:bodyPr anchorCtr="0" anchor="t" bIns="91425" lIns="91425" spcFirstLastPara="1" rIns="91425" wrap="square" tIns="91425">
-            <a:noAutofit/>
-          </a:bodyPr>
-          <a:lstStyle/>
-          <a:p>
-            <a:pPr indent="-342900" lvl="0" marL="457200" rtl="0" algn="l">
-              <a:spcBef>
-                <a:spcPts val="0"/>
-              </a:spcBef>
-              <a:spcAft>
-                <a:spcPts val="0"/>
-              </a:spcAft>
-              <a:buSzPts val="1800"/>
-              <a:buChar char="●"/>
-            </a:pPr>
-            <a:r>
-              <a:rPr lang="en"/>
               <a:t>Zero-shot (English only)</a:t>
             </a:r>
             <a:endParaRPr/>
@@ -22523,7 +22420,7 @@
       </p:sp>
       <p:pic>
         <p:nvPicPr>
-          <p:cNvPr id="273" name="Google Shape;273;p50"/>
+          <p:cNvPr id="268" name="Google Shape;268;p49"/>
           <p:cNvPicPr preferRelativeResize="0"/>
           <p:nvPr/>
         </p:nvPicPr>
@@ -22551,7 +22448,7 @@
       </p:pic>
       <p:sp>
         <p:nvSpPr>
-          <p:cNvPr id="274" name="Google Shape;274;p50"/>
+          <p:cNvPr id="269" name="Google Shape;269;p49"/>
           <p:cNvSpPr txBox="1"/>
           <p:nvPr/>
         </p:nvSpPr>
@@ -22615,12 +22512,12 @@
 </p:sld>
 </file>
 
-<file path=ppt/slides/slide27.xml><?xml version="1.0" encoding="utf-8"?>
+<file path=ppt/slides/slide26.xml><?xml version="1.0" encoding="utf-8"?>
 <p:sld xmlns:a="http://schemas.openxmlformats.org/drawingml/2006/main" xmlns:r="http://schemas.openxmlformats.org/officeDocument/2006/relationships" xmlns:mc="http://schemas.openxmlformats.org/markup-compatibility/2006" xmlns:mv="urn:schemas-microsoft-com:mac:vml" xmlns:p="http://schemas.openxmlformats.org/presentationml/2006/main" xmlns:c="http://schemas.openxmlformats.org/drawingml/2006/chart" xmlns:dgm="http://schemas.openxmlformats.org/drawingml/2006/diagram" xmlns:o="urn:schemas-microsoft-com:office:office" xmlns:v="urn:schemas-microsoft-com:vml" xmlns:pvml="urn:schemas-microsoft-com:office:powerpoint" xmlns:com="http://schemas.openxmlformats.org/drawingml/2006/compatibility" xmlns:p14="http://schemas.microsoft.com/office/powerpoint/2010/main" xmlns:p15="http://schemas.microsoft.com/office/powerpoint/2012/main" xmlns:ahyp="http://schemas.microsoft.com/office/drawing/2018/hyperlinkcolor">
   <p:cSld>
     <p:spTree>
       <p:nvGrpSpPr>
-        <p:cNvPr id="278" name="Shape 278"/>
+        <p:cNvPr id="273" name="Shape 273"/>
         <p:cNvGrpSpPr/>
         <p:nvPr/>
       </p:nvGrpSpPr>
@@ -22634,7 +22531,7 @@
       </p:grpSpPr>
       <p:sp>
         <p:nvSpPr>
-          <p:cNvPr id="279" name="Google Shape;279;p51"/>
+          <p:cNvPr id="274" name="Google Shape;274;p50"/>
           <p:cNvSpPr txBox="1"/>
           <p:nvPr>
             <p:ph type="title"/>
@@ -22672,6 +22569,189 @@
           </a:p>
         </p:txBody>
       </p:sp>
+      <p:sp>
+        <p:nvSpPr>
+          <p:cNvPr id="275" name="Google Shape;275;p50"/>
+          <p:cNvSpPr txBox="1"/>
+          <p:nvPr>
+            <p:ph idx="1" type="body"/>
+          </p:nvPr>
+        </p:nvSpPr>
+        <p:spPr>
+          <a:xfrm>
+            <a:off x="387900" y="1489824"/>
+            <a:ext cx="8368200" cy="3078900"/>
+          </a:xfrm>
+          <a:prstGeom prst="rect">
+            <a:avLst/>
+          </a:prstGeom>
+        </p:spPr>
+        <p:txBody>
+          <a:bodyPr anchorCtr="0" anchor="t" bIns="91425" lIns="91425" spcFirstLastPara="1" rIns="91425" wrap="square" tIns="91425">
+            <a:noAutofit/>
+          </a:bodyPr>
+          <a:lstStyle/>
+          <a:p>
+            <a:pPr indent="-342900" lvl="0" marL="457200" rtl="0" algn="l">
+              <a:spcBef>
+                <a:spcPts val="0"/>
+              </a:spcBef>
+              <a:spcAft>
+                <a:spcPts val="0"/>
+              </a:spcAft>
+              <a:buSzPts val="1800"/>
+              <a:buChar char="●"/>
+            </a:pPr>
+            <a:r>
+              <a:rPr lang="en"/>
+              <a:t>Subfield of machine learning</a:t>
+            </a:r>
+            <a:endParaRPr/>
+          </a:p>
+          <a:p>
+            <a:pPr indent="-317500" lvl="1" marL="914400" rtl="0" algn="l">
+              <a:spcBef>
+                <a:spcPts val="0"/>
+              </a:spcBef>
+              <a:spcAft>
+                <a:spcPts val="0"/>
+              </a:spcAft>
+              <a:buSzPts val="1400"/>
+              <a:buChar char="○"/>
+            </a:pPr>
+            <a:r>
+              <a:rPr lang="en"/>
+              <a:t>Improved data efficiency</a:t>
+            </a:r>
+            <a:endParaRPr/>
+          </a:p>
+          <a:p>
+            <a:pPr indent="-317500" lvl="1" marL="914400" rtl="0" algn="l">
+              <a:spcBef>
+                <a:spcPts val="0"/>
+              </a:spcBef>
+              <a:spcAft>
+                <a:spcPts val="0"/>
+              </a:spcAft>
+              <a:buSzPts val="1400"/>
+              <a:buChar char="○"/>
+            </a:pPr>
+            <a:r>
+              <a:rPr lang="en"/>
+              <a:t>Reduced overfitting</a:t>
+            </a:r>
+            <a:endParaRPr/>
+          </a:p>
+          <a:p>
+            <a:pPr indent="-317500" lvl="1" marL="914400" rtl="0" algn="l">
+              <a:spcBef>
+                <a:spcPts val="0"/>
+              </a:spcBef>
+              <a:spcAft>
+                <a:spcPts val="0"/>
+              </a:spcAft>
+              <a:buSzPts val="1400"/>
+              <a:buChar char="○"/>
+            </a:pPr>
+            <a:r>
+              <a:rPr lang="en"/>
+              <a:t>Reduced overfitting</a:t>
+            </a:r>
+            <a:endParaRPr/>
+          </a:p>
+          <a:p>
+            <a:pPr indent="0" lvl="0" marL="914400" rtl="0" algn="l">
+              <a:spcBef>
+                <a:spcPts val="0"/>
+              </a:spcBef>
+              <a:spcAft>
+                <a:spcPts val="0"/>
+              </a:spcAft>
+              <a:buNone/>
+            </a:pPr>
+            <a:r>
+              <a:t/>
+            </a:r>
+            <a:endParaRPr/>
+          </a:p>
+          <a:p>
+            <a:pPr indent="-342900" lvl="0" marL="457200" rtl="0" algn="l">
+              <a:spcBef>
+                <a:spcPts val="0"/>
+              </a:spcBef>
+              <a:spcAft>
+                <a:spcPts val="0"/>
+              </a:spcAft>
+              <a:buSzPts val="1800"/>
+              <a:buChar char="●"/>
+            </a:pPr>
+            <a:r>
+              <a:rPr lang="en"/>
+              <a:t>Train a model for a new entity type </a:t>
+            </a:r>
+            <a:endParaRPr/>
+          </a:p>
+          <a:p>
+            <a:pPr indent="-342900" lvl="0" marL="457200" rtl="0" algn="l">
+              <a:spcBef>
+                <a:spcPts val="0"/>
+              </a:spcBef>
+              <a:spcAft>
+                <a:spcPts val="0"/>
+              </a:spcAft>
+              <a:buSzPts val="1800"/>
+              <a:buChar char="●"/>
+            </a:pPr>
+            <a:r>
+              <a:rPr lang="en"/>
+              <a:t>Update the model for an existing entity type</a:t>
+            </a:r>
+            <a:endParaRPr/>
+          </a:p>
+          <a:p>
+            <a:pPr indent="-342900" lvl="0" marL="457200" rtl="0" algn="l">
+              <a:spcBef>
+                <a:spcPts val="0"/>
+              </a:spcBef>
+              <a:spcAft>
+                <a:spcPts val="0"/>
+              </a:spcAft>
+              <a:buSzPts val="1800"/>
+              <a:buChar char="●"/>
+            </a:pPr>
+            <a:r>
+              <a:rPr lang="en"/>
+              <a:t>Increases inference costs </a:t>
+            </a:r>
+            <a:endParaRPr/>
+          </a:p>
+        </p:txBody>
+      </p:sp>
+    </p:spTree>
+  </p:cSld>
+  <p:clrMapOvr>
+    <a:masterClrMapping/>
+  </p:clrMapOvr>
+</p:sld>
+</file>
+
+<file path=ppt/slides/slide27.xml><?xml version="1.0" encoding="utf-8"?>
+<p:sld xmlns:a="http://schemas.openxmlformats.org/drawingml/2006/main" xmlns:r="http://schemas.openxmlformats.org/officeDocument/2006/relationships" xmlns:mc="http://schemas.openxmlformats.org/markup-compatibility/2006" xmlns:mv="urn:schemas-microsoft-com:mac:vml" xmlns:p="http://schemas.openxmlformats.org/presentationml/2006/main" xmlns:c="http://schemas.openxmlformats.org/drawingml/2006/chart" xmlns:dgm="http://schemas.openxmlformats.org/drawingml/2006/diagram" xmlns:o="urn:schemas-microsoft-com:office:office" xmlns:v="urn:schemas-microsoft-com:vml" xmlns:pvml="urn:schemas-microsoft-com:office:powerpoint" xmlns:com="http://schemas.openxmlformats.org/drawingml/2006/compatibility" xmlns:p14="http://schemas.microsoft.com/office/powerpoint/2010/main" xmlns:p15="http://schemas.microsoft.com/office/powerpoint/2012/main" xmlns:ahyp="http://schemas.microsoft.com/office/drawing/2018/hyperlinkcolor">
+  <p:cSld>
+    <p:spTree>
+      <p:nvGrpSpPr>
+        <p:cNvPr id="279" name="Shape 279"/>
+        <p:cNvGrpSpPr/>
+        <p:nvPr/>
+      </p:nvGrpSpPr>
+      <p:grpSpPr>
+        <a:xfrm>
+          <a:off x="0" y="0"/>
+          <a:ext cx="0" cy="0"/>
+          <a:chOff x="0" y="0"/>
+          <a:chExt cx="0" cy="0"/>
+        </a:xfrm>
+      </p:grpSpPr>
       <p:sp>
         <p:nvSpPr>
           <p:cNvPr id="280" name="Google Shape;280;p51"/>
@@ -22707,189 +22787,6 @@
             </a:pPr>
             <a:r>
               <a:rPr lang="en"/>
-              <a:t>Subfield of machine learning</a:t>
-            </a:r>
-            <a:endParaRPr/>
-          </a:p>
-          <a:p>
-            <a:pPr indent="-317500" lvl="1" marL="914400" rtl="0" algn="l">
-              <a:spcBef>
-                <a:spcPts val="0"/>
-              </a:spcBef>
-              <a:spcAft>
-                <a:spcPts val="0"/>
-              </a:spcAft>
-              <a:buSzPts val="1400"/>
-              <a:buChar char="○"/>
-            </a:pPr>
-            <a:r>
-              <a:rPr lang="en"/>
-              <a:t>Improved data efficiency</a:t>
-            </a:r>
-            <a:endParaRPr/>
-          </a:p>
-          <a:p>
-            <a:pPr indent="-317500" lvl="1" marL="914400" rtl="0" algn="l">
-              <a:spcBef>
-                <a:spcPts val="0"/>
-              </a:spcBef>
-              <a:spcAft>
-                <a:spcPts val="0"/>
-              </a:spcAft>
-              <a:buSzPts val="1400"/>
-              <a:buChar char="○"/>
-            </a:pPr>
-            <a:r>
-              <a:rPr lang="en"/>
-              <a:t>Reduced overfitting</a:t>
-            </a:r>
-            <a:endParaRPr/>
-          </a:p>
-          <a:p>
-            <a:pPr indent="-317500" lvl="1" marL="914400" rtl="0" algn="l">
-              <a:spcBef>
-                <a:spcPts val="0"/>
-              </a:spcBef>
-              <a:spcAft>
-                <a:spcPts val="0"/>
-              </a:spcAft>
-              <a:buSzPts val="1400"/>
-              <a:buChar char="○"/>
-            </a:pPr>
-            <a:r>
-              <a:rPr lang="en"/>
-              <a:t>Reduced overfitting</a:t>
-            </a:r>
-            <a:endParaRPr/>
-          </a:p>
-          <a:p>
-            <a:pPr indent="0" lvl="0" marL="914400" rtl="0" algn="l">
-              <a:spcBef>
-                <a:spcPts val="0"/>
-              </a:spcBef>
-              <a:spcAft>
-                <a:spcPts val="0"/>
-              </a:spcAft>
-              <a:buNone/>
-            </a:pPr>
-            <a:r>
-              <a:t/>
-            </a:r>
-            <a:endParaRPr/>
-          </a:p>
-          <a:p>
-            <a:pPr indent="-342900" lvl="0" marL="457200" rtl="0" algn="l">
-              <a:spcBef>
-                <a:spcPts val="0"/>
-              </a:spcBef>
-              <a:spcAft>
-                <a:spcPts val="0"/>
-              </a:spcAft>
-              <a:buSzPts val="1800"/>
-              <a:buChar char="●"/>
-            </a:pPr>
-            <a:r>
-              <a:rPr lang="en"/>
-              <a:t>Train a model for a new entity type </a:t>
-            </a:r>
-            <a:endParaRPr/>
-          </a:p>
-          <a:p>
-            <a:pPr indent="-342900" lvl="0" marL="457200" rtl="0" algn="l">
-              <a:spcBef>
-                <a:spcPts val="0"/>
-              </a:spcBef>
-              <a:spcAft>
-                <a:spcPts val="0"/>
-              </a:spcAft>
-              <a:buSzPts val="1800"/>
-              <a:buChar char="●"/>
-            </a:pPr>
-            <a:r>
-              <a:rPr lang="en"/>
-              <a:t>Update the model for an existing entity type</a:t>
-            </a:r>
-            <a:endParaRPr/>
-          </a:p>
-          <a:p>
-            <a:pPr indent="-342900" lvl="0" marL="457200" rtl="0" algn="l">
-              <a:spcBef>
-                <a:spcPts val="0"/>
-              </a:spcBef>
-              <a:spcAft>
-                <a:spcPts val="0"/>
-              </a:spcAft>
-              <a:buSzPts val="1800"/>
-              <a:buChar char="●"/>
-            </a:pPr>
-            <a:r>
-              <a:rPr lang="en"/>
-              <a:t>Increases inference costs </a:t>
-            </a:r>
-            <a:endParaRPr/>
-          </a:p>
-        </p:txBody>
-      </p:sp>
-    </p:spTree>
-  </p:cSld>
-  <p:clrMapOvr>
-    <a:masterClrMapping/>
-  </p:clrMapOvr>
-</p:sld>
-</file>
-
-<file path=ppt/slides/slide28.xml><?xml version="1.0" encoding="utf-8"?>
-<p:sld xmlns:a="http://schemas.openxmlformats.org/drawingml/2006/main" xmlns:r="http://schemas.openxmlformats.org/officeDocument/2006/relationships" xmlns:mc="http://schemas.openxmlformats.org/markup-compatibility/2006" xmlns:mv="urn:schemas-microsoft-com:mac:vml" xmlns:p="http://schemas.openxmlformats.org/presentationml/2006/main" xmlns:c="http://schemas.openxmlformats.org/drawingml/2006/chart" xmlns:dgm="http://schemas.openxmlformats.org/drawingml/2006/diagram" xmlns:o="urn:schemas-microsoft-com:office:office" xmlns:v="urn:schemas-microsoft-com:vml" xmlns:pvml="urn:schemas-microsoft-com:office:powerpoint" xmlns:com="http://schemas.openxmlformats.org/drawingml/2006/compatibility" xmlns:p14="http://schemas.microsoft.com/office/powerpoint/2010/main" xmlns:p15="http://schemas.microsoft.com/office/powerpoint/2012/main" xmlns:ahyp="http://schemas.microsoft.com/office/drawing/2018/hyperlinkcolor">
-  <p:cSld>
-    <p:spTree>
-      <p:nvGrpSpPr>
-        <p:cNvPr id="284" name="Shape 284"/>
-        <p:cNvGrpSpPr/>
-        <p:nvPr/>
-      </p:nvGrpSpPr>
-      <p:grpSpPr>
-        <a:xfrm>
-          <a:off x="0" y="0"/>
-          <a:ext cx="0" cy="0"/>
-          <a:chOff x="0" y="0"/>
-          <a:chExt cx="0" cy="0"/>
-        </a:xfrm>
-      </p:grpSpPr>
-      <p:sp>
-        <p:nvSpPr>
-          <p:cNvPr id="285" name="Google Shape;285;p52"/>
-          <p:cNvSpPr txBox="1"/>
-          <p:nvPr>
-            <p:ph idx="1" type="body"/>
-          </p:nvPr>
-        </p:nvSpPr>
-        <p:spPr>
-          <a:xfrm>
-            <a:off x="387900" y="1489824"/>
-            <a:ext cx="8368200" cy="3078900"/>
-          </a:xfrm>
-          <a:prstGeom prst="rect">
-            <a:avLst/>
-          </a:prstGeom>
-        </p:spPr>
-        <p:txBody>
-          <a:bodyPr anchorCtr="0" anchor="t" bIns="91425" lIns="91425" spcFirstLastPara="1" rIns="91425" wrap="square" tIns="91425">
-            <a:noAutofit/>
-          </a:bodyPr>
-          <a:lstStyle/>
-          <a:p>
-            <a:pPr indent="-342900" lvl="0" marL="457200" rtl="0" algn="l">
-              <a:spcBef>
-                <a:spcPts val="0"/>
-              </a:spcBef>
-              <a:spcAft>
-                <a:spcPts val="0"/>
-              </a:spcAft>
-              <a:buSzPts val="1800"/>
-              <a:buChar char="●"/>
-            </a:pPr>
-            <a:r>
-              <a:rPr lang="en"/>
               <a:t>S</a:t>
             </a:r>
             <a:r>
@@ -22934,7 +22831,7 @@
       </p:sp>
       <p:pic>
         <p:nvPicPr>
-          <p:cNvPr id="286" name="Google Shape;286;p52"/>
+          <p:cNvPr id="281" name="Google Shape;281;p51"/>
           <p:cNvPicPr preferRelativeResize="0"/>
           <p:nvPr/>
         </p:nvPicPr>
@@ -22962,7 +22859,7 @@
       </p:pic>
       <p:sp>
         <p:nvSpPr>
-          <p:cNvPr id="287" name="Google Shape;287;p52"/>
+          <p:cNvPr id="282" name="Google Shape;282;p51"/>
           <p:cNvSpPr txBox="1"/>
           <p:nvPr/>
         </p:nvSpPr>
@@ -23046,12 +22943,12 @@
 </p:sld>
 </file>
 
-<file path=ppt/slides/slide29.xml><?xml version="1.0" encoding="utf-8"?>
+<file path=ppt/slides/slide28.xml><?xml version="1.0" encoding="utf-8"?>
 <p:sld xmlns:a="http://schemas.openxmlformats.org/drawingml/2006/main" xmlns:r="http://schemas.openxmlformats.org/officeDocument/2006/relationships" xmlns:mc="http://schemas.openxmlformats.org/markup-compatibility/2006" xmlns:mv="urn:schemas-microsoft-com:mac:vml" xmlns:p="http://schemas.openxmlformats.org/presentationml/2006/main" xmlns:c="http://schemas.openxmlformats.org/drawingml/2006/chart" xmlns:dgm="http://schemas.openxmlformats.org/drawingml/2006/diagram" xmlns:o="urn:schemas-microsoft-com:office:office" xmlns:v="urn:schemas-microsoft-com:vml" xmlns:pvml="urn:schemas-microsoft-com:office:powerpoint" xmlns:com="http://schemas.openxmlformats.org/drawingml/2006/compatibility" xmlns:p14="http://schemas.microsoft.com/office/powerpoint/2010/main" xmlns:p15="http://schemas.microsoft.com/office/powerpoint/2012/main" xmlns:ahyp="http://schemas.microsoft.com/office/drawing/2018/hyperlinkcolor">
   <p:cSld>
     <p:spTree>
       <p:nvGrpSpPr>
-        <p:cNvPr id="291" name="Shape 291"/>
+        <p:cNvPr id="286" name="Shape 286"/>
         <p:cNvGrpSpPr/>
         <p:nvPr/>
       </p:nvGrpSpPr>
@@ -23065,7 +22962,7 @@
       </p:grpSpPr>
       <p:sp>
         <p:nvSpPr>
-          <p:cNvPr id="292" name="Google Shape;292;p53"/>
+          <p:cNvPr id="287" name="Google Shape;287;p52"/>
           <p:cNvSpPr txBox="1"/>
           <p:nvPr>
             <p:ph type="ctrTitle"/>
@@ -23105,7 +23002,7 @@
       </p:sp>
       <p:sp>
         <p:nvSpPr>
-          <p:cNvPr id="293" name="Google Shape;293;p53"/>
+          <p:cNvPr id="288" name="Google Shape;288;p52"/>
           <p:cNvSpPr txBox="1"/>
           <p:nvPr>
             <p:ph idx="1" type="subTitle"/>
@@ -23138,6 +23035,144 @@
             <a:r>
               <a:rPr lang="en"/>
               <a:t>Ashik Adnan - 22166003</a:t>
+            </a:r>
+            <a:endParaRPr/>
+          </a:p>
+        </p:txBody>
+      </p:sp>
+    </p:spTree>
+  </p:cSld>
+  <p:clrMapOvr>
+    <a:masterClrMapping/>
+  </p:clrMapOvr>
+</p:sld>
+</file>
+
+<file path=ppt/slides/slide29.xml><?xml version="1.0" encoding="utf-8"?>
+<p:sld xmlns:a="http://schemas.openxmlformats.org/drawingml/2006/main" xmlns:r="http://schemas.openxmlformats.org/officeDocument/2006/relationships" xmlns:mc="http://schemas.openxmlformats.org/markup-compatibility/2006" xmlns:mv="urn:schemas-microsoft-com:mac:vml" xmlns:p="http://schemas.openxmlformats.org/presentationml/2006/main" xmlns:c="http://schemas.openxmlformats.org/drawingml/2006/chart" xmlns:dgm="http://schemas.openxmlformats.org/drawingml/2006/diagram" xmlns:o="urn:schemas-microsoft-com:office:office" xmlns:v="urn:schemas-microsoft-com:vml" xmlns:pvml="urn:schemas-microsoft-com:office:powerpoint" xmlns:com="http://schemas.openxmlformats.org/drawingml/2006/compatibility" xmlns:p14="http://schemas.microsoft.com/office/powerpoint/2010/main" xmlns:p15="http://schemas.microsoft.com/office/powerpoint/2012/main" xmlns:ahyp="http://schemas.microsoft.com/office/drawing/2018/hyperlinkcolor">
+  <p:cSld>
+    <p:spTree>
+      <p:nvGrpSpPr>
+        <p:cNvPr id="292" name="Shape 292"/>
+        <p:cNvGrpSpPr/>
+        <p:nvPr/>
+      </p:nvGrpSpPr>
+      <p:grpSpPr>
+        <a:xfrm>
+          <a:off x="0" y="0"/>
+          <a:ext cx="0" cy="0"/>
+          <a:chOff x="0" y="0"/>
+          <a:chExt cx="0" cy="0"/>
+        </a:xfrm>
+      </p:grpSpPr>
+      <p:sp>
+        <p:nvSpPr>
+          <p:cNvPr id="293" name="Google Shape;293;p53"/>
+          <p:cNvSpPr txBox="1"/>
+          <p:nvPr>
+            <p:ph idx="2" type="body"/>
+          </p:nvPr>
+        </p:nvSpPr>
+        <p:spPr>
+          <a:xfrm>
+            <a:off x="4787550" y="542825"/>
+            <a:ext cx="4146900" cy="3876600"/>
+          </a:xfrm>
+          <a:prstGeom prst="rect">
+            <a:avLst/>
+          </a:prstGeom>
+        </p:spPr>
+        <p:txBody>
+          <a:bodyPr anchorCtr="0" anchor="ctr" bIns="91425" lIns="91425" spcFirstLastPara="1" rIns="91425" wrap="square" tIns="91425">
+            <a:noAutofit/>
+          </a:bodyPr>
+          <a:lstStyle/>
+          <a:p>
+            <a:pPr indent="-342900" lvl="0" marL="457200" rtl="0" algn="just">
+              <a:spcBef>
+                <a:spcPts val="1200"/>
+              </a:spcBef>
+              <a:spcAft>
+                <a:spcPts val="0"/>
+              </a:spcAft>
+              <a:buSzPts val="1800"/>
+              <a:buChar char="●"/>
+            </a:pPr>
+            <a:r>
+              <a:rPr lang="en"/>
+              <a:t>Transfer learning aims at improving the performance of target models on target domains by transferring the knowledge contained in different but related source domains</a:t>
+            </a:r>
+            <a:endParaRPr/>
+          </a:p>
+          <a:p>
+            <a:pPr indent="0" lvl="0" marL="457200" rtl="0" algn="just">
+              <a:spcBef>
+                <a:spcPts val="1200"/>
+              </a:spcBef>
+              <a:spcAft>
+                <a:spcPts val="0"/>
+              </a:spcAft>
+              <a:buNone/>
+            </a:pPr>
+            <a:r>
+              <a:t/>
+            </a:r>
+            <a:endParaRPr/>
+          </a:p>
+          <a:p>
+            <a:pPr indent="-342900" lvl="0" marL="457200" rtl="0" algn="just">
+              <a:spcBef>
+                <a:spcPts val="1200"/>
+              </a:spcBef>
+              <a:spcAft>
+                <a:spcPts val="0"/>
+              </a:spcAft>
+              <a:buSzPts val="1800"/>
+              <a:buChar char="●"/>
+            </a:pPr>
+            <a:r>
+              <a:rPr lang="en"/>
+              <a:t>Incorporate the transfer learning framework in their system to solve cross document types challenge</a:t>
+            </a:r>
+            <a:endParaRPr/>
+          </a:p>
+        </p:txBody>
+      </p:sp>
+      <p:sp>
+        <p:nvSpPr>
+          <p:cNvPr id="294" name="Google Shape;294;p53"/>
+          <p:cNvSpPr txBox="1"/>
+          <p:nvPr>
+            <p:ph type="title"/>
+          </p:nvPr>
+        </p:nvSpPr>
+        <p:spPr>
+          <a:xfrm>
+            <a:off x="265500" y="1912650"/>
+            <a:ext cx="4045200" cy="1318200"/>
+          </a:xfrm>
+          <a:prstGeom prst="rect">
+            <a:avLst/>
+          </a:prstGeom>
+        </p:spPr>
+        <p:txBody>
+          <a:bodyPr anchorCtr="0" anchor="ctr" bIns="91425" lIns="91425" spcFirstLastPara="1" rIns="91425" wrap="square" tIns="91425">
+            <a:noAutofit/>
+          </a:bodyPr>
+          <a:lstStyle/>
+          <a:p>
+            <a:pPr indent="0" lvl="0" marL="0" rtl="0" algn="ctr">
+              <a:spcBef>
+                <a:spcPts val="0"/>
+              </a:spcBef>
+              <a:spcAft>
+                <a:spcPts val="0"/>
+              </a:spcAft>
+              <a:buNone/>
+            </a:pPr>
+            <a:r>
+              <a:rPr lang="en" sz="3300"/>
+              <a:t>Cross Document Transfer Learning</a:t>
             </a:r>
             <a:endParaRPr/>
           </a:p>
@@ -23277,7 +23312,7 @@
   <p:cSld>
     <p:spTree>
       <p:nvGrpSpPr>
-        <p:cNvPr id="297" name="Shape 297"/>
+        <p:cNvPr id="298" name="Shape 298"/>
         <p:cNvGrpSpPr/>
         <p:nvPr/>
       </p:nvGrpSpPr>
@@ -23291,145 +23326,7 @@
       </p:grpSpPr>
       <p:sp>
         <p:nvSpPr>
-          <p:cNvPr id="298" name="Google Shape;298;p54"/>
-          <p:cNvSpPr txBox="1"/>
-          <p:nvPr>
-            <p:ph idx="2" type="body"/>
-          </p:nvPr>
-        </p:nvSpPr>
-        <p:spPr>
-          <a:xfrm>
-            <a:off x="4787550" y="542825"/>
-            <a:ext cx="4146900" cy="3876600"/>
-          </a:xfrm>
-          <a:prstGeom prst="rect">
-            <a:avLst/>
-          </a:prstGeom>
-        </p:spPr>
-        <p:txBody>
-          <a:bodyPr anchorCtr="0" anchor="ctr" bIns="91425" lIns="91425" spcFirstLastPara="1" rIns="91425" wrap="square" tIns="91425">
-            <a:noAutofit/>
-          </a:bodyPr>
-          <a:lstStyle/>
-          <a:p>
-            <a:pPr indent="-342900" lvl="0" marL="457200" rtl="0" algn="just">
-              <a:spcBef>
-                <a:spcPts val="1200"/>
-              </a:spcBef>
-              <a:spcAft>
-                <a:spcPts val="0"/>
-              </a:spcAft>
-              <a:buSzPts val="1800"/>
-              <a:buChar char="●"/>
-            </a:pPr>
-            <a:r>
-              <a:rPr lang="en"/>
-              <a:t>Transfer learning aims at improving the performance of target models on target domains by transferring the knowledge contained in different but related source domains</a:t>
-            </a:r>
-            <a:endParaRPr/>
-          </a:p>
-          <a:p>
-            <a:pPr indent="0" lvl="0" marL="457200" rtl="0" algn="just">
-              <a:spcBef>
-                <a:spcPts val="1200"/>
-              </a:spcBef>
-              <a:spcAft>
-                <a:spcPts val="0"/>
-              </a:spcAft>
-              <a:buNone/>
-            </a:pPr>
-            <a:r>
-              <a:t/>
-            </a:r>
-            <a:endParaRPr/>
-          </a:p>
-          <a:p>
-            <a:pPr indent="-342900" lvl="0" marL="457200" rtl="0" algn="just">
-              <a:spcBef>
-                <a:spcPts val="1200"/>
-              </a:spcBef>
-              <a:spcAft>
-                <a:spcPts val="0"/>
-              </a:spcAft>
-              <a:buSzPts val="1800"/>
-              <a:buChar char="●"/>
-            </a:pPr>
-            <a:r>
-              <a:rPr lang="en"/>
-              <a:t>Incorporate the transfer learning framework in their system to solve cross document types challenge</a:t>
-            </a:r>
-            <a:endParaRPr/>
-          </a:p>
-        </p:txBody>
-      </p:sp>
-      <p:sp>
-        <p:nvSpPr>
           <p:cNvPr id="299" name="Google Shape;299;p54"/>
-          <p:cNvSpPr txBox="1"/>
-          <p:nvPr>
-            <p:ph type="title"/>
-          </p:nvPr>
-        </p:nvSpPr>
-        <p:spPr>
-          <a:xfrm>
-            <a:off x="265500" y="1912650"/>
-            <a:ext cx="4045200" cy="1318200"/>
-          </a:xfrm>
-          <a:prstGeom prst="rect">
-            <a:avLst/>
-          </a:prstGeom>
-        </p:spPr>
-        <p:txBody>
-          <a:bodyPr anchorCtr="0" anchor="ctr" bIns="91425" lIns="91425" spcFirstLastPara="1" rIns="91425" wrap="square" tIns="91425">
-            <a:noAutofit/>
-          </a:bodyPr>
-          <a:lstStyle/>
-          <a:p>
-            <a:pPr indent="0" lvl="0" marL="0" rtl="0" algn="ctr">
-              <a:spcBef>
-                <a:spcPts val="0"/>
-              </a:spcBef>
-              <a:spcAft>
-                <a:spcPts val="0"/>
-              </a:spcAft>
-              <a:buNone/>
-            </a:pPr>
-            <a:r>
-              <a:rPr lang="en" sz="3300"/>
-              <a:t>Cross Document Transfer Learning</a:t>
-            </a:r>
-            <a:endParaRPr/>
-          </a:p>
-        </p:txBody>
-      </p:sp>
-    </p:spTree>
-  </p:cSld>
-  <p:clrMapOvr>
-    <a:masterClrMapping/>
-  </p:clrMapOvr>
-</p:sld>
-</file>
-
-<file path=ppt/slides/slide31.xml><?xml version="1.0" encoding="utf-8"?>
-<p:sld xmlns:a="http://schemas.openxmlformats.org/drawingml/2006/main" xmlns:r="http://schemas.openxmlformats.org/officeDocument/2006/relationships" xmlns:mc="http://schemas.openxmlformats.org/markup-compatibility/2006" xmlns:mv="urn:schemas-microsoft-com:mac:vml" xmlns:p="http://schemas.openxmlformats.org/presentationml/2006/main" xmlns:c="http://schemas.openxmlformats.org/drawingml/2006/chart" xmlns:dgm="http://schemas.openxmlformats.org/drawingml/2006/diagram" xmlns:o="urn:schemas-microsoft-com:office:office" xmlns:v="urn:schemas-microsoft-com:vml" xmlns:pvml="urn:schemas-microsoft-com:office:powerpoint" xmlns:com="http://schemas.openxmlformats.org/drawingml/2006/compatibility" xmlns:p14="http://schemas.microsoft.com/office/powerpoint/2010/main" xmlns:p15="http://schemas.microsoft.com/office/powerpoint/2012/main" xmlns:ahyp="http://schemas.microsoft.com/office/drawing/2018/hyperlinkcolor">
-  <p:cSld>
-    <p:spTree>
-      <p:nvGrpSpPr>
-        <p:cNvPr id="303" name="Shape 303"/>
-        <p:cNvGrpSpPr/>
-        <p:nvPr/>
-      </p:nvGrpSpPr>
-      <p:grpSpPr>
-        <a:xfrm>
-          <a:off x="0" y="0"/>
-          <a:ext cx="0" cy="0"/>
-          <a:chOff x="0" y="0"/>
-          <a:chExt cx="0" cy="0"/>
-        </a:xfrm>
-      </p:grpSpPr>
-      <p:sp>
-        <p:nvSpPr>
-          <p:cNvPr id="304" name="Google Shape;304;p55"/>
           <p:cNvSpPr txBox="1"/>
           <p:nvPr>
             <p:ph idx="1" type="body"/>
@@ -23470,7 +23367,7 @@
       </p:sp>
       <p:pic>
         <p:nvPicPr>
-          <p:cNvPr id="305" name="Google Shape;305;p55"/>
+          <p:cNvPr id="300" name="Google Shape;300;p54"/>
           <p:cNvPicPr preferRelativeResize="0"/>
           <p:nvPr/>
         </p:nvPicPr>
@@ -23498,7 +23395,7 @@
       </p:pic>
       <p:sp>
         <p:nvSpPr>
-          <p:cNvPr id="306" name="Google Shape;306;p55"/>
+          <p:cNvPr id="301" name="Google Shape;301;p54"/>
           <p:cNvSpPr txBox="1"/>
           <p:nvPr>
             <p:ph idx="1" type="body"/>
@@ -23569,12 +23466,12 @@
 </p:sld>
 </file>
 
-<file path=ppt/slides/slide32.xml><?xml version="1.0" encoding="utf-8"?>
+<file path=ppt/slides/slide31.xml><?xml version="1.0" encoding="utf-8"?>
 <p:sld xmlns:a="http://schemas.openxmlformats.org/drawingml/2006/main" xmlns:r="http://schemas.openxmlformats.org/officeDocument/2006/relationships" xmlns:mc="http://schemas.openxmlformats.org/markup-compatibility/2006" xmlns:mv="urn:schemas-microsoft-com:mac:vml" xmlns:p="http://schemas.openxmlformats.org/presentationml/2006/main" xmlns:c="http://schemas.openxmlformats.org/drawingml/2006/chart" xmlns:dgm="http://schemas.openxmlformats.org/drawingml/2006/diagram" xmlns:o="urn:schemas-microsoft-com:office:office" xmlns:v="urn:schemas-microsoft-com:vml" xmlns:pvml="urn:schemas-microsoft-com:office:powerpoint" xmlns:com="http://schemas.openxmlformats.org/drawingml/2006/compatibility" xmlns:p14="http://schemas.microsoft.com/office/powerpoint/2010/main" xmlns:p15="http://schemas.microsoft.com/office/powerpoint/2012/main" xmlns:ahyp="http://schemas.microsoft.com/office/drawing/2018/hyperlinkcolor">
   <p:cSld>
     <p:spTree>
       <p:nvGrpSpPr>
-        <p:cNvPr id="310" name="Shape 310"/>
+        <p:cNvPr id="305" name="Shape 305"/>
         <p:cNvGrpSpPr/>
         <p:nvPr/>
       </p:nvGrpSpPr>
@@ -23588,7 +23485,7 @@
       </p:grpSpPr>
       <p:sp>
         <p:nvSpPr>
-          <p:cNvPr id="311" name="Google Shape;311;p56"/>
+          <p:cNvPr id="306" name="Google Shape;306;p55"/>
           <p:cNvSpPr txBox="1"/>
           <p:nvPr>
             <p:ph type="title"/>
@@ -23631,7 +23528,7 @@
       </p:sp>
       <p:sp>
         <p:nvSpPr>
-          <p:cNvPr id="312" name="Google Shape;312;p56"/>
+          <p:cNvPr id="307" name="Google Shape;307;p55"/>
           <p:cNvSpPr txBox="1"/>
           <p:nvPr>
             <p:ph idx="2" type="body"/>
@@ -23710,12 +23607,12 @@
 </p:sld>
 </file>
 
-<file path=ppt/slides/slide33.xml><?xml version="1.0" encoding="utf-8"?>
+<file path=ppt/slides/slide32.xml><?xml version="1.0" encoding="utf-8"?>
 <p:sld xmlns:a="http://schemas.openxmlformats.org/drawingml/2006/main" xmlns:r="http://schemas.openxmlformats.org/officeDocument/2006/relationships" xmlns:mc="http://schemas.openxmlformats.org/markup-compatibility/2006" xmlns:mv="urn:schemas-microsoft-com:mac:vml" xmlns:p="http://schemas.openxmlformats.org/presentationml/2006/main" xmlns:c="http://schemas.openxmlformats.org/drawingml/2006/chart" xmlns:dgm="http://schemas.openxmlformats.org/drawingml/2006/diagram" xmlns:o="urn:schemas-microsoft-com:office:office" xmlns:v="urn:schemas-microsoft-com:vml" xmlns:pvml="urn:schemas-microsoft-com:office:powerpoint" xmlns:com="http://schemas.openxmlformats.org/drawingml/2006/compatibility" xmlns:p14="http://schemas.microsoft.com/office/powerpoint/2010/main" xmlns:p15="http://schemas.microsoft.com/office/powerpoint/2012/main" xmlns:ahyp="http://schemas.microsoft.com/office/drawing/2018/hyperlinkcolor">
   <p:cSld>
     <p:spTree>
       <p:nvGrpSpPr>
-        <p:cNvPr id="316" name="Shape 316"/>
+        <p:cNvPr id="311" name="Shape 311"/>
         <p:cNvGrpSpPr/>
         <p:nvPr/>
       </p:nvGrpSpPr>
@@ -23729,7 +23626,7 @@
       </p:grpSpPr>
       <p:sp>
         <p:nvSpPr>
-          <p:cNvPr id="317" name="Google Shape;317;p57"/>
+          <p:cNvPr id="312" name="Google Shape;312;p56"/>
           <p:cNvSpPr txBox="1"/>
           <p:nvPr>
             <p:ph type="title"/>
@@ -26024,6 +25921,285 @@
 </file>
 
 <file path=ppt/theme/theme2.xml><?xml version="1.0" encoding="utf-8"?>
+<a:theme xmlns:a="http://schemas.openxmlformats.org/drawingml/2006/main" xmlns:r="http://schemas.openxmlformats.org/officeDocument/2006/relationships">
+  <a:themeElements>
+    <a:clrScheme name="Default">
+      <a:dk1>
+        <a:srgbClr val="000000"/>
+      </a:dk1>
+      <a:lt1>
+        <a:srgbClr val="FFFFFF"/>
+      </a:lt1>
+      <a:dk2>
+        <a:srgbClr val="158158"/>
+      </a:dk2>
+      <a:lt2>
+        <a:srgbClr val="F3F3F3"/>
+      </a:lt2>
+      <a:accent1>
+        <a:srgbClr val="058DC7"/>
+      </a:accent1>
+      <a:accent2>
+        <a:srgbClr val="50B432"/>
+      </a:accent2>
+      <a:accent3>
+        <a:srgbClr val="ED561B"/>
+      </a:accent3>
+      <a:accent4>
+        <a:srgbClr val="EDEF00"/>
+      </a:accent4>
+      <a:accent5>
+        <a:srgbClr val="24CBE5"/>
+      </a:accent5>
+      <a:accent6>
+        <a:srgbClr val="64E572"/>
+      </a:accent6>
+      <a:hlink>
+        <a:srgbClr val="2200CC"/>
+      </a:hlink>
+      <a:folHlink>
+        <a:srgbClr val="551A8B"/>
+      </a:folHlink>
+    </a:clrScheme>
+    <a:fontScheme name="Office">
+      <a:majorFont>
+        <a:latin typeface="Arial"/>
+        <a:ea typeface=""/>
+        <a:cs typeface=""/>
+        <a:font script="Jpan" typeface="ＭＳ Ｐゴシック"/>
+        <a:font script="Hang" typeface="맑은 고딕"/>
+        <a:font script="Hans" typeface="宋体"/>
+        <a:font script="Hant" typeface="新細明體"/>
+        <a:font script="Arab" typeface="Times New Roman"/>
+        <a:font script="Hebr" typeface="Times New Roman"/>
+        <a:font script="Thai" typeface="Angsana New"/>
+        <a:font script="Ethi" typeface="Nyala"/>
+        <a:font script="Beng" typeface="Vrinda"/>
+        <a:font script="Gujr" typeface="Shruti"/>
+        <a:font script="Khmr" typeface="MoolBoran"/>
+        <a:font script="Knda" typeface="Tunga"/>
+        <a:font script="Guru" typeface="Raavi"/>
+        <a:font script="Cans" typeface="Euphemia"/>
+        <a:font script="Cher" typeface="Plantagenet Cherokee"/>
+        <a:font script="Yiii" typeface="Microsoft Yi Baiti"/>
+        <a:font script="Tibt" typeface="Microsoft Himalaya"/>
+        <a:font script="Thaa" typeface="MV Boli"/>
+        <a:font script="Deva" typeface="Mangal"/>
+        <a:font script="Telu" typeface="Gautami"/>
+        <a:font script="Taml" typeface="Latha"/>
+        <a:font script="Syrc" typeface="Estrangelo Edessa"/>
+        <a:font script="Orya" typeface="Kalinga"/>
+        <a:font script="Mlym" typeface="Kartika"/>
+        <a:font script="Laoo" typeface="DokChampa"/>
+        <a:font script="Sinh" typeface="Iskoola Pota"/>
+        <a:font script="Mong" typeface="Mongolian Baiti"/>
+        <a:font script="Viet" typeface="Times New Roman"/>
+        <a:font script="Uigh" typeface="Microsoft Uighur"/>
+        <a:font script="Geor" typeface="Sylfaen"/>
+      </a:majorFont>
+      <a:minorFont>
+        <a:latin typeface="Arial"/>
+        <a:ea typeface=""/>
+        <a:cs typeface=""/>
+        <a:font script="Jpan" typeface="ＭＳ Ｐゴシック"/>
+        <a:font script="Hang" typeface="맑은 고딕"/>
+        <a:font script="Hans" typeface="宋体"/>
+        <a:font script="Hant" typeface="新細明體"/>
+        <a:font script="Arab" typeface="Arial"/>
+        <a:font script="Hebr" typeface="Arial"/>
+        <a:font script="Thai" typeface="Cordia New"/>
+        <a:font script="Ethi" typeface="Nyala"/>
+        <a:font script="Beng" typeface="Vrinda"/>
+        <a:font script="Gujr" typeface="Shruti"/>
+        <a:font script="Khmr" typeface="DaunPenh"/>
+        <a:font script="Knda" typeface="Tunga"/>
+        <a:font script="Guru" typeface="Raavi"/>
+        <a:font script="Cans" typeface="Euphemia"/>
+        <a:font script="Cher" typeface="Plantagenet Cherokee"/>
+        <a:font script="Yiii" typeface="Microsoft Yi Baiti"/>
+        <a:font script="Tibt" typeface="Microsoft Himalaya"/>
+        <a:font script="Thaa" typeface="MV Boli"/>
+        <a:font script="Deva" typeface="Mangal"/>
+        <a:font script="Telu" typeface="Gautami"/>
+        <a:font script="Taml" typeface="Latha"/>
+        <a:font script="Syrc" typeface="Estrangelo Edessa"/>
+        <a:font script="Orya" typeface="Kalinga"/>
+        <a:font script="Mlym" typeface="Kartika"/>
+        <a:font script="Laoo" typeface="DokChampa"/>
+        <a:font script="Sinh" typeface="Iskoola Pota"/>
+        <a:font script="Mong" typeface="Mongolian Baiti"/>
+        <a:font script="Viet" typeface="Arial"/>
+        <a:font script="Uigh" typeface="Microsoft Uighur"/>
+        <a:font script="Geor" typeface="Sylfaen"/>
+      </a:minorFont>
+    </a:fontScheme>
+    <a:fmtScheme name="Office">
+      <a:fillStyleLst>
+        <a:solidFill>
+          <a:schemeClr val="phClr"/>
+        </a:solidFill>
+        <a:gradFill rotWithShape="1">
+          <a:gsLst>
+            <a:gs pos="0">
+              <a:schemeClr val="phClr">
+                <a:tint val="50000"/>
+                <a:satMod val="300000"/>
+              </a:schemeClr>
+            </a:gs>
+            <a:gs pos="35000">
+              <a:schemeClr val="phClr">
+                <a:tint val="37000"/>
+                <a:satMod val="300000"/>
+              </a:schemeClr>
+            </a:gs>
+            <a:gs pos="100000">
+              <a:schemeClr val="phClr">
+                <a:tint val="15000"/>
+                <a:satMod val="350000"/>
+              </a:schemeClr>
+            </a:gs>
+          </a:gsLst>
+          <a:lin ang="16200000" scaled="1"/>
+        </a:gradFill>
+        <a:gradFill rotWithShape="1">
+          <a:gsLst>
+            <a:gs pos="0">
+              <a:schemeClr val="phClr">
+                <a:tint val="100000"/>
+                <a:shade val="100000"/>
+                <a:satMod val="130000"/>
+              </a:schemeClr>
+            </a:gs>
+            <a:gs pos="100000">
+              <a:schemeClr val="phClr">
+                <a:tint val="50000"/>
+                <a:shade val="100000"/>
+                <a:satMod val="350000"/>
+              </a:schemeClr>
+            </a:gs>
+          </a:gsLst>
+          <a:lin ang="16200000" scaled="0"/>
+        </a:gradFill>
+      </a:fillStyleLst>
+      <a:lnStyleLst>
+        <a:ln w="9525" cap="flat" cmpd="sng" algn="ctr">
+          <a:solidFill>
+            <a:schemeClr val="phClr">
+              <a:shade val="95000"/>
+              <a:satMod val="105000"/>
+            </a:schemeClr>
+          </a:solidFill>
+          <a:prstDash val="solid"/>
+        </a:ln>
+        <a:ln w="25400" cap="flat" cmpd="sng" algn="ctr">
+          <a:solidFill>
+            <a:schemeClr val="phClr"/>
+          </a:solidFill>
+          <a:prstDash val="solid"/>
+        </a:ln>
+        <a:ln w="38100" cap="flat" cmpd="sng" algn="ctr">
+          <a:solidFill>
+            <a:schemeClr val="phClr"/>
+          </a:solidFill>
+          <a:prstDash val="solid"/>
+        </a:ln>
+      </a:lnStyleLst>
+      <a:effectStyleLst>
+        <a:effectStyle>
+          <a:effectLst>
+            <a:outerShdw blurRad="40000" dist="20000" dir="5400000" rotWithShape="0">
+              <a:srgbClr val="000000">
+                <a:alpha val="38000"/>
+              </a:srgbClr>
+            </a:outerShdw>
+          </a:effectLst>
+        </a:effectStyle>
+        <a:effectStyle>
+          <a:effectLst>
+            <a:outerShdw blurRad="40000" dist="23000" dir="5400000" rotWithShape="0">
+              <a:srgbClr val="000000">
+                <a:alpha val="35000"/>
+              </a:srgbClr>
+            </a:outerShdw>
+          </a:effectLst>
+        </a:effectStyle>
+        <a:effectStyle>
+          <a:effectLst>
+            <a:outerShdw blurRad="40000" dist="23000" dir="5400000" rotWithShape="0">
+              <a:srgbClr val="000000">
+                <a:alpha val="35000"/>
+              </a:srgbClr>
+            </a:outerShdw>
+          </a:effectLst>
+          <a:scene3d>
+            <a:camera prst="orthographicFront">
+              <a:rot lat="0" lon="0" rev="0"/>
+            </a:camera>
+            <a:lightRig rig="threePt" dir="t">
+              <a:rot lat="0" lon="0" rev="1200000"/>
+            </a:lightRig>
+          </a:scene3d>
+          <a:sp3d>
+            <a:bevelT w="63500" h="25400"/>
+          </a:sp3d>
+        </a:effectStyle>
+      </a:effectStyleLst>
+      <a:bgFillStyleLst>
+        <a:solidFill>
+          <a:schemeClr val="phClr"/>
+        </a:solidFill>
+        <a:gradFill rotWithShape="1">
+          <a:gsLst>
+            <a:gs pos="0">
+              <a:schemeClr val="phClr">
+                <a:tint val="40000"/>
+                <a:satMod val="350000"/>
+              </a:schemeClr>
+            </a:gs>
+            <a:gs pos="40000">
+              <a:schemeClr val="phClr">
+                <a:tint val="45000"/>
+                <a:shade val="99000"/>
+                <a:satMod val="350000"/>
+              </a:schemeClr>
+            </a:gs>
+            <a:gs pos="100000">
+              <a:schemeClr val="phClr">
+                <a:shade val="20000"/>
+                <a:satMod val="255000"/>
+              </a:schemeClr>
+            </a:gs>
+          </a:gsLst>
+          <a:path path="circle">
+            <a:fillToRect l="50000" t="-80000" r="50000" b="180000"/>
+          </a:path>
+        </a:gradFill>
+        <a:gradFill rotWithShape="1">
+          <a:gsLst>
+            <a:gs pos="0">
+              <a:schemeClr val="phClr">
+                <a:tint val="80000"/>
+                <a:satMod val="300000"/>
+              </a:schemeClr>
+            </a:gs>
+            <a:gs pos="100000">
+              <a:schemeClr val="phClr">
+                <a:shade val="30000"/>
+                <a:satMod val="200000"/>
+              </a:schemeClr>
+            </a:gs>
+          </a:gsLst>
+          <a:path path="circle">
+            <a:fillToRect l="50000" t="50000" r="50000" b="50000"/>
+          </a:path>
+        </a:gradFill>
+      </a:bgFillStyleLst>
+    </a:fmtScheme>
+  </a:themeElements>
+</a:theme>
+</file>
+
+<file path=ppt/theme/theme3.xml><?xml version="1.0" encoding="utf-8"?>
 <a:theme xmlns:a="http://schemas.openxmlformats.org/drawingml/2006/main" xmlns:r="http://schemas.openxmlformats.org/officeDocument/2006/relationships" name="Marina">
   <a:themeElements>
     <a:clrScheme name="Marina">
@@ -26300,283 +26476,4 @@
     </a:fmtScheme>
   </a:themeElements>
 </a:theme>
-</file>
-
-<file path=ppt/theme/theme3.xml><?xml version="1.0" encoding="utf-8"?>
-<a:theme xmlns:a="http://schemas.openxmlformats.org/drawingml/2006/main" xmlns:r="http://schemas.openxmlformats.org/officeDocument/2006/relationships">
-  <a:themeElements>
-    <a:clrScheme name="Default">
-      <a:dk1>
-        <a:srgbClr val="000000"/>
-      </a:dk1>
-      <a:lt1>
-        <a:srgbClr val="FFFFFF"/>
-      </a:lt1>
-      <a:dk2>
-        <a:srgbClr val="158158"/>
-      </a:dk2>
-      <a:lt2>
-        <a:srgbClr val="F3F3F3"/>
-      </a:lt2>
-      <a:accent1>
-        <a:srgbClr val="058DC7"/>
-      </a:accent1>
-      <a:accent2>
-        <a:srgbClr val="50B432"/>
-      </a:accent2>
-      <a:accent3>
-        <a:srgbClr val="ED561B"/>
-      </a:accent3>
-      <a:accent4>
-        <a:srgbClr val="EDEF00"/>
-      </a:accent4>
-      <a:accent5>
-        <a:srgbClr val="24CBE5"/>
-      </a:accent5>
-      <a:accent6>
-        <a:srgbClr val="64E572"/>
-      </a:accent6>
-      <a:hlink>
-        <a:srgbClr val="2200CC"/>
-      </a:hlink>
-      <a:folHlink>
-        <a:srgbClr val="551A8B"/>
-      </a:folHlink>
-    </a:clrScheme>
-    <a:fontScheme name="Office">
-      <a:majorFont>
-        <a:latin typeface="Arial"/>
-        <a:ea typeface=""/>
-        <a:cs typeface=""/>
-        <a:font script="Jpan" typeface="ＭＳ Ｐゴシック"/>
-        <a:font script="Hang" typeface="맑은 고딕"/>
-        <a:font script="Hans" typeface="宋体"/>
-        <a:font script="Hant" typeface="新細明體"/>
-        <a:font script="Arab" typeface="Times New Roman"/>
-        <a:font script="Hebr" typeface="Times New Roman"/>
-        <a:font script="Thai" typeface="Angsana New"/>
-        <a:font script="Ethi" typeface="Nyala"/>
-        <a:font script="Beng" typeface="Vrinda"/>
-        <a:font script="Gujr" typeface="Shruti"/>
-        <a:font script="Khmr" typeface="MoolBoran"/>
-        <a:font script="Knda" typeface="Tunga"/>
-        <a:font script="Guru" typeface="Raavi"/>
-        <a:font script="Cans" typeface="Euphemia"/>
-        <a:font script="Cher" typeface="Plantagenet Cherokee"/>
-        <a:font script="Yiii" typeface="Microsoft Yi Baiti"/>
-        <a:font script="Tibt" typeface="Microsoft Himalaya"/>
-        <a:font script="Thaa" typeface="MV Boli"/>
-        <a:font script="Deva" typeface="Mangal"/>
-        <a:font script="Telu" typeface="Gautami"/>
-        <a:font script="Taml" typeface="Latha"/>
-        <a:font script="Syrc" typeface="Estrangelo Edessa"/>
-        <a:font script="Orya" typeface="Kalinga"/>
-        <a:font script="Mlym" typeface="Kartika"/>
-        <a:font script="Laoo" typeface="DokChampa"/>
-        <a:font script="Sinh" typeface="Iskoola Pota"/>
-        <a:font script="Mong" typeface="Mongolian Baiti"/>
-        <a:font script="Viet" typeface="Times New Roman"/>
-        <a:font script="Uigh" typeface="Microsoft Uighur"/>
-        <a:font script="Geor" typeface="Sylfaen"/>
-      </a:majorFont>
-      <a:minorFont>
-        <a:latin typeface="Arial"/>
-        <a:ea typeface=""/>
-        <a:cs typeface=""/>
-        <a:font script="Jpan" typeface="ＭＳ Ｐゴシック"/>
-        <a:font script="Hang" typeface="맑은 고딕"/>
-        <a:font script="Hans" typeface="宋体"/>
-        <a:font script="Hant" typeface="新細明體"/>
-        <a:font script="Arab" typeface="Arial"/>
-        <a:font script="Hebr" typeface="Arial"/>
-        <a:font script="Thai" typeface="Cordia New"/>
-        <a:font script="Ethi" typeface="Nyala"/>
-        <a:font script="Beng" typeface="Vrinda"/>
-        <a:font script="Gujr" typeface="Shruti"/>
-        <a:font script="Khmr" typeface="DaunPenh"/>
-        <a:font script="Knda" typeface="Tunga"/>
-        <a:font script="Guru" typeface="Raavi"/>
-        <a:font script="Cans" typeface="Euphemia"/>
-        <a:font script="Cher" typeface="Plantagenet Cherokee"/>
-        <a:font script="Yiii" typeface="Microsoft Yi Baiti"/>
-        <a:font script="Tibt" typeface="Microsoft Himalaya"/>
-        <a:font script="Thaa" typeface="MV Boli"/>
-        <a:font script="Deva" typeface="Mangal"/>
-        <a:font script="Telu" typeface="Gautami"/>
-        <a:font script="Taml" typeface="Latha"/>
-        <a:font script="Syrc" typeface="Estrangelo Edessa"/>
-        <a:font script="Orya" typeface="Kalinga"/>
-        <a:font script="Mlym" typeface="Kartika"/>
-        <a:font script="Laoo" typeface="DokChampa"/>
-        <a:font script="Sinh" typeface="Iskoola Pota"/>
-        <a:font script="Mong" typeface="Mongolian Baiti"/>
-        <a:font script="Viet" typeface="Arial"/>
-        <a:font script="Uigh" typeface="Microsoft Uighur"/>
-        <a:font script="Geor" typeface="Sylfaen"/>
-      </a:minorFont>
-    </a:fontScheme>
-    <a:fmtScheme name="Office">
-      <a:fillStyleLst>
-        <a:solidFill>
-          <a:schemeClr val="phClr"/>
-        </a:solidFill>
-        <a:gradFill rotWithShape="1">
-          <a:gsLst>
-            <a:gs pos="0">
-              <a:schemeClr val="phClr">
-                <a:tint val="50000"/>
-                <a:satMod val="300000"/>
-              </a:schemeClr>
-            </a:gs>
-            <a:gs pos="35000">
-              <a:schemeClr val="phClr">
-                <a:tint val="37000"/>
-                <a:satMod val="300000"/>
-              </a:schemeClr>
-            </a:gs>
-            <a:gs pos="100000">
-              <a:schemeClr val="phClr">
-                <a:tint val="15000"/>
-                <a:satMod val="350000"/>
-              </a:schemeClr>
-            </a:gs>
-          </a:gsLst>
-          <a:lin ang="16200000" scaled="1"/>
-        </a:gradFill>
-        <a:gradFill rotWithShape="1">
-          <a:gsLst>
-            <a:gs pos="0">
-              <a:schemeClr val="phClr">
-                <a:tint val="100000"/>
-                <a:shade val="100000"/>
-                <a:satMod val="130000"/>
-              </a:schemeClr>
-            </a:gs>
-            <a:gs pos="100000">
-              <a:schemeClr val="phClr">
-                <a:tint val="50000"/>
-                <a:shade val="100000"/>
-                <a:satMod val="350000"/>
-              </a:schemeClr>
-            </a:gs>
-          </a:gsLst>
-          <a:lin ang="16200000" scaled="0"/>
-        </a:gradFill>
-      </a:fillStyleLst>
-      <a:lnStyleLst>
-        <a:ln w="9525" cap="flat" cmpd="sng" algn="ctr">
-          <a:solidFill>
-            <a:schemeClr val="phClr">
-              <a:shade val="95000"/>
-              <a:satMod val="105000"/>
-            </a:schemeClr>
-          </a:solidFill>
-          <a:prstDash val="solid"/>
-        </a:ln>
-        <a:ln w="25400" cap="flat" cmpd="sng" algn="ctr">
-          <a:solidFill>
-            <a:schemeClr val="phClr"/>
-          </a:solidFill>
-          <a:prstDash val="solid"/>
-        </a:ln>
-        <a:ln w="38100" cap="flat" cmpd="sng" algn="ctr">
-          <a:solidFill>
-            <a:schemeClr val="phClr"/>
-          </a:solidFill>
-          <a:prstDash val="solid"/>
-        </a:ln>
-      </a:lnStyleLst>
-      <a:effectStyleLst>
-        <a:effectStyle>
-          <a:effectLst>
-            <a:outerShdw blurRad="40000" dist="20000" dir="5400000" rotWithShape="0">
-              <a:srgbClr val="000000">
-                <a:alpha val="38000"/>
-              </a:srgbClr>
-            </a:outerShdw>
-          </a:effectLst>
-        </a:effectStyle>
-        <a:effectStyle>
-          <a:effectLst>
-            <a:outerShdw blurRad="40000" dist="23000" dir="5400000" rotWithShape="0">
-              <a:srgbClr val="000000">
-                <a:alpha val="35000"/>
-              </a:srgbClr>
-            </a:outerShdw>
-          </a:effectLst>
-        </a:effectStyle>
-        <a:effectStyle>
-          <a:effectLst>
-            <a:outerShdw blurRad="40000" dist="23000" dir="5400000" rotWithShape="0">
-              <a:srgbClr val="000000">
-                <a:alpha val="35000"/>
-              </a:srgbClr>
-            </a:outerShdw>
-          </a:effectLst>
-          <a:scene3d>
-            <a:camera prst="orthographicFront">
-              <a:rot lat="0" lon="0" rev="0"/>
-            </a:camera>
-            <a:lightRig rig="threePt" dir="t">
-              <a:rot lat="0" lon="0" rev="1200000"/>
-            </a:lightRig>
-          </a:scene3d>
-          <a:sp3d>
-            <a:bevelT w="63500" h="25400"/>
-          </a:sp3d>
-        </a:effectStyle>
-      </a:effectStyleLst>
-      <a:bgFillStyleLst>
-        <a:solidFill>
-          <a:schemeClr val="phClr"/>
-        </a:solidFill>
-        <a:gradFill rotWithShape="1">
-          <a:gsLst>
-            <a:gs pos="0">
-              <a:schemeClr val="phClr">
-                <a:tint val="40000"/>
-                <a:satMod val="350000"/>
-              </a:schemeClr>
-            </a:gs>
-            <a:gs pos="40000">
-              <a:schemeClr val="phClr">
-                <a:tint val="45000"/>
-                <a:shade val="99000"/>
-                <a:satMod val="350000"/>
-              </a:schemeClr>
-            </a:gs>
-            <a:gs pos="100000">
-              <a:schemeClr val="phClr">
-                <a:shade val="20000"/>
-                <a:satMod val="255000"/>
-              </a:schemeClr>
-            </a:gs>
-          </a:gsLst>
-          <a:path path="circle">
-            <a:fillToRect l="50000" t="-80000" r="50000" b="180000"/>
-          </a:path>
-        </a:gradFill>
-        <a:gradFill rotWithShape="1">
-          <a:gsLst>
-            <a:gs pos="0">
-              <a:schemeClr val="phClr">
-                <a:tint val="80000"/>
-                <a:satMod val="300000"/>
-              </a:schemeClr>
-            </a:gs>
-            <a:gs pos="100000">
-              <a:schemeClr val="phClr">
-                <a:shade val="30000"/>
-                <a:satMod val="200000"/>
-              </a:schemeClr>
-            </a:gs>
-          </a:gsLst>
-          <a:path path="circle">
-            <a:fillToRect l="50000" t="50000" r="50000" b="50000"/>
-          </a:path>
-        </a:gradFill>
-      </a:bgFillStyleLst>
-    </a:fmtScheme>
-  </a:themeElements>
-</a:theme>
 </file>
--- a/Submission2/Slide.pptx
+++ b/Submission2/Slide.pptx
@@ -18924,7 +18924,7 @@
             <a:tbl>
               <a:tblPr>
                 <a:noFill/>
-                <a:tableStyleId>{3D4D40B7-CDAC-40C7-BE51-8DBFC89EE635}</a:tableStyleId>
+                <a:tableStyleId>{AF6B9275-481E-4F55-8CBE-E9FC2CE62CB8}</a:tableStyleId>
               </a:tblPr>
               <a:tblGrid>
                 <a:gridCol w="2041825"/>
@@ -22655,7 +22655,11 @@
             </a:pPr>
             <a:r>
               <a:rPr lang="en"/>
-              <a:t>Reduced overfitting</a:t>
+              <a:t>F</a:t>
+            </a:r>
+            <a:r>
+              <a:rPr lang="en"/>
+              <a:t>ast learning</a:t>
             </a:r>
             <a:endParaRPr/>
           </a:p>
@@ -25642,44 +25646,44 @@
 </file>
 
 <file path=ppt/theme/theme1.xml><?xml version="1.0" encoding="utf-8"?>
-<a:theme xmlns:a="http://schemas.openxmlformats.org/drawingml/2006/main" xmlns:r="http://schemas.openxmlformats.org/officeDocument/2006/relationships" name="Marina">
+<a:theme xmlns:a="http://schemas.openxmlformats.org/drawingml/2006/main" xmlns:r="http://schemas.openxmlformats.org/officeDocument/2006/relationships">
   <a:themeElements>
-    <a:clrScheme name="Marina">
+    <a:clrScheme name="Default">
       <a:dk1>
-        <a:srgbClr val="FFFFFF"/>
+        <a:srgbClr val="000000"/>
       </a:dk1>
       <a:lt1>
-        <a:srgbClr val="00517C"/>
+        <a:srgbClr val="FFFFFF"/>
       </a:lt1>
       <a:dk2>
-        <a:srgbClr val="004065"/>
+        <a:srgbClr val="158158"/>
       </a:dk2>
       <a:lt2>
-        <a:srgbClr val="CFD8DC"/>
+        <a:srgbClr val="F3F3F3"/>
       </a:lt2>
       <a:accent1>
-        <a:srgbClr val="0277BD"/>
+        <a:srgbClr val="058DC7"/>
       </a:accent1>
       <a:accent2>
-        <a:srgbClr val="558B2F"/>
+        <a:srgbClr val="50B432"/>
       </a:accent2>
       <a:accent3>
-        <a:srgbClr val="009688"/>
+        <a:srgbClr val="ED561B"/>
       </a:accent3>
       <a:accent4>
-        <a:srgbClr val="039BE5"/>
+        <a:srgbClr val="EDEF00"/>
       </a:accent4>
       <a:accent5>
-        <a:srgbClr val="8BC34A"/>
+        <a:srgbClr val="24CBE5"/>
       </a:accent5>
       <a:accent6>
-        <a:srgbClr val="FFEB38"/>
+        <a:srgbClr val="64E572"/>
       </a:accent6>
       <a:hlink>
-        <a:srgbClr val="8BC34A"/>
+        <a:srgbClr val="2200CC"/>
       </a:hlink>
       <a:folHlink>
-        <a:srgbClr val="8BC34A"/>
+        <a:srgbClr val="551A8B"/>
       </a:folHlink>
     </a:clrScheme>
     <a:fontScheme name="Office">
@@ -25921,44 +25925,44 @@
 </file>
 
 <file path=ppt/theme/theme2.xml><?xml version="1.0" encoding="utf-8"?>
-<a:theme xmlns:a="http://schemas.openxmlformats.org/drawingml/2006/main" xmlns:r="http://schemas.openxmlformats.org/officeDocument/2006/relationships">
+<a:theme xmlns:a="http://schemas.openxmlformats.org/drawingml/2006/main" xmlns:r="http://schemas.openxmlformats.org/officeDocument/2006/relationships" name="Marina">
   <a:themeElements>
-    <a:clrScheme name="Default">
+    <a:clrScheme name="Marina">
       <a:dk1>
-        <a:srgbClr val="000000"/>
+        <a:srgbClr val="FFFFFF"/>
       </a:dk1>
       <a:lt1>
-        <a:srgbClr val="FFFFFF"/>
+        <a:srgbClr val="00517C"/>
       </a:lt1>
       <a:dk2>
-        <a:srgbClr val="158158"/>
+        <a:srgbClr val="004065"/>
       </a:dk2>
       <a:lt2>
-        <a:srgbClr val="F3F3F3"/>
+        <a:srgbClr val="CFD8DC"/>
       </a:lt2>
       <a:accent1>
-        <a:srgbClr val="058DC7"/>
+        <a:srgbClr val="0277BD"/>
       </a:accent1>
       <a:accent2>
-        <a:srgbClr val="50B432"/>
+        <a:srgbClr val="558B2F"/>
       </a:accent2>
       <a:accent3>
-        <a:srgbClr val="ED561B"/>
+        <a:srgbClr val="009688"/>
       </a:accent3>
       <a:accent4>
-        <a:srgbClr val="EDEF00"/>
+        <a:srgbClr val="039BE5"/>
       </a:accent4>
       <a:accent5>
-        <a:srgbClr val="24CBE5"/>
+        <a:srgbClr val="8BC34A"/>
       </a:accent5>
       <a:accent6>
-        <a:srgbClr val="64E572"/>
+        <a:srgbClr val="FFEB38"/>
       </a:accent6>
       <a:hlink>
-        <a:srgbClr val="2200CC"/>
+        <a:srgbClr val="8BC34A"/>
       </a:hlink>
       <a:folHlink>
-        <a:srgbClr val="551A8B"/>
+        <a:srgbClr val="8BC34A"/>
       </a:folHlink>
     </a:clrScheme>
     <a:fontScheme name="Office">
